--- a/blockchain.pptx
+++ b/blockchain.pptx
@@ -5,7 +5,7 @@
     <p:sldMasterId id="2147483648" r:id="rId1"/>
   </p:sldMasterIdLst>
   <p:notesMasterIdLst>
-    <p:notesMasterId r:id="rId10"/>
+    <p:notesMasterId r:id="rId15"/>
   </p:notesMasterIdLst>
   <p:sldIdLst>
     <p:sldId id="256" r:id="rId2"/>
@@ -14,8 +14,13 @@
     <p:sldId id="261" r:id="rId5"/>
     <p:sldId id="258" r:id="rId6"/>
     <p:sldId id="263" r:id="rId7"/>
-    <p:sldId id="260" r:id="rId8"/>
-    <p:sldId id="262" r:id="rId9"/>
+    <p:sldId id="264" r:id="rId8"/>
+    <p:sldId id="265" r:id="rId9"/>
+    <p:sldId id="266" r:id="rId10"/>
+    <p:sldId id="268" r:id="rId11"/>
+    <p:sldId id="260" r:id="rId12"/>
+    <p:sldId id="267" r:id="rId13"/>
+    <p:sldId id="269" r:id="rId14"/>
   </p:sldIdLst>
   <p:sldSz cx="9144000" cy="5143500" type="screen16x9"/>
   <p:notesSz cx="6858000" cy="9144000"/>
@@ -547,7 +552,7 @@
           <a:p>
             <a:fld id="{87350B06-B074-48FC-8CFD-53D2CD8FB95F}" type="slidenum">
               <a:rPr lang="en-US" smtClean="0"/>
-              <a:t>7</a:t>
+              <a:t>11</a:t>
             </a:fld>
             <a:endParaRPr lang="en-US"/>
           </a:p>
@@ -557,90 +562,6 @@
     <p:extLst>
       <p:ext uri="{BB962C8B-B14F-4D97-AF65-F5344CB8AC3E}">
         <p14:creationId xmlns:p14="http://schemas.microsoft.com/office/powerpoint/2010/main" val="1280886406"/>
-      </p:ext>
-    </p:extLst>
-  </p:cSld>
-  <p:clrMapOvr>
-    <a:masterClrMapping/>
-  </p:clrMapOvr>
-</p:notes>
-</file>
-
-<file path=ppt/notesSlides/notesSlide2.xml><?xml version="1.0" encoding="utf-8"?>
-<p:notes xmlns:a="http://schemas.openxmlformats.org/drawingml/2006/main" xmlns:r="http://schemas.openxmlformats.org/officeDocument/2006/relationships" xmlns:p="http://schemas.openxmlformats.org/presentationml/2006/main">
-  <p:cSld>
-    <p:spTree>
-      <p:nvGrpSpPr>
-        <p:cNvPr id="1" name=""/>
-        <p:cNvGrpSpPr/>
-        <p:nvPr/>
-      </p:nvGrpSpPr>
-      <p:grpSpPr>
-        <a:xfrm>
-          <a:off x="0" y="0"/>
-          <a:ext cx="0" cy="0"/>
-          <a:chOff x="0" y="0"/>
-          <a:chExt cx="0" cy="0"/>
-        </a:xfrm>
-      </p:grpSpPr>
-      <p:sp>
-        <p:nvSpPr>
-          <p:cNvPr id="2" name="Slide Image Placeholder 1"/>
-          <p:cNvSpPr>
-            <a:spLocks noGrp="1" noRot="1" noChangeAspect="1"/>
-          </p:cNvSpPr>
-          <p:nvPr>
-            <p:ph type="sldImg"/>
-          </p:nvPr>
-        </p:nvSpPr>
-        <p:spPr/>
-      </p:sp>
-      <p:sp>
-        <p:nvSpPr>
-          <p:cNvPr id="3" name="Notes Placeholder 2"/>
-          <p:cNvSpPr>
-            <a:spLocks noGrp="1"/>
-          </p:cNvSpPr>
-          <p:nvPr>
-            <p:ph type="body" idx="1"/>
-          </p:nvPr>
-        </p:nvSpPr>
-        <p:spPr/>
-        <p:txBody>
-          <a:bodyPr/>
-          <a:lstStyle/>
-          <a:p>
-            <a:endParaRPr lang="en-US"/>
-          </a:p>
-        </p:txBody>
-      </p:sp>
-      <p:sp>
-        <p:nvSpPr>
-          <p:cNvPr id="4" name="Slide Number Placeholder 3"/>
-          <p:cNvSpPr>
-            <a:spLocks noGrp="1"/>
-          </p:cNvSpPr>
-          <p:nvPr>
-            <p:ph type="sldNum" sz="quarter" idx="10"/>
-          </p:nvPr>
-        </p:nvSpPr>
-        <p:spPr/>
-        <p:txBody>
-          <a:bodyPr/>
-          <a:lstStyle/>
-          <a:p>
-            <a:fld id="{87350B06-B074-48FC-8CFD-53D2CD8FB95F}" type="slidenum">
-              <a:rPr lang="en-US" smtClean="0"/>
-              <a:t>8</a:t>
-            </a:fld>
-            <a:endParaRPr lang="en-US"/>
-          </a:p>
-        </p:txBody>
-      </p:sp>
-    </p:spTree>
-    <p:extLst>
-      <p:ext uri="{BB962C8B-B14F-4D97-AF65-F5344CB8AC3E}">
-        <p14:creationId xmlns:p14="http://schemas.microsoft.com/office/powerpoint/2010/main" val="4139810462"/>
       </p:ext>
     </p:extLst>
   </p:cSld>
@@ -4181,7 +4102,7 @@
           <a:p>
             <a:r>
               <a:rPr lang="en-US" dirty="0"/>
-              <a:t>Blockchain	</a:t>
+              <a:t>Blockchains	</a:t>
             </a:r>
           </a:p>
         </p:txBody>
@@ -4255,6 +4176,657 @@
   </p:clrMapOvr>
   <p:transition spd="slow">
     <p:cover/>
+  </p:transition>
+</p:sld>
+</file>
+
+<file path=ppt/slides/slide10.xml><?xml version="1.0" encoding="utf-8"?>
+<p:sld xmlns:a="http://schemas.openxmlformats.org/drawingml/2006/main" xmlns:r="http://schemas.openxmlformats.org/officeDocument/2006/relationships" xmlns:p="http://schemas.openxmlformats.org/presentationml/2006/main">
+  <p:cSld>
+    <p:spTree>
+      <p:nvGrpSpPr>
+        <p:cNvPr id="1" name=""/>
+        <p:cNvGrpSpPr/>
+        <p:nvPr/>
+      </p:nvGrpSpPr>
+      <p:grpSpPr>
+        <a:xfrm>
+          <a:off x="0" y="0"/>
+          <a:ext cx="0" cy="0"/>
+          <a:chOff x="0" y="0"/>
+          <a:chExt cx="0" cy="0"/>
+        </a:xfrm>
+      </p:grpSpPr>
+      <p:sp>
+        <p:nvSpPr>
+          <p:cNvPr id="2" name="標題 1">
+            <a:extLst>
+              <a:ext uri="{FF2B5EF4-FFF2-40B4-BE49-F238E27FC236}">
+                <a16:creationId xmlns:a16="http://schemas.microsoft.com/office/drawing/2014/main" id="{7200C78E-FD52-489A-88A9-03AA667182C1}"/>
+              </a:ext>
+            </a:extLst>
+          </p:cNvPr>
+          <p:cNvSpPr>
+            <a:spLocks noGrp="1"/>
+          </p:cNvSpPr>
+          <p:nvPr>
+            <p:ph type="title"/>
+          </p:nvPr>
+        </p:nvSpPr>
+        <p:spPr/>
+        <p:txBody>
+          <a:bodyPr>
+            <a:normAutofit fontScale="90000"/>
+          </a:bodyPr>
+          <a:lstStyle/>
+          <a:p>
+            <a:pPr algn="ctr"/>
+            <a:r>
+              <a:rPr lang="en-US" altLang="zh-TW" dirty="0"/>
+              <a:t>Transaction</a:t>
+            </a:r>
+            <a:endParaRPr lang="zh-TW" altLang="en-US" dirty="0"/>
+          </a:p>
+        </p:txBody>
+      </p:sp>
+      <p:sp>
+        <p:nvSpPr>
+          <p:cNvPr id="3" name="內容版面配置區 2">
+            <a:extLst>
+              <a:ext uri="{FF2B5EF4-FFF2-40B4-BE49-F238E27FC236}">
+                <a16:creationId xmlns:a16="http://schemas.microsoft.com/office/drawing/2014/main" id="{7FD30D80-CD2B-4662-A545-E4ACD14E140C}"/>
+              </a:ext>
+            </a:extLst>
+          </p:cNvPr>
+          <p:cNvSpPr>
+            <a:spLocks noGrp="1"/>
+          </p:cNvSpPr>
+          <p:nvPr>
+            <p:ph idx="1"/>
+          </p:nvPr>
+        </p:nvSpPr>
+        <p:spPr>
+          <a:xfrm>
+            <a:off x="448966" y="2266341"/>
+            <a:ext cx="8246070" cy="2877160"/>
+          </a:xfrm>
+        </p:spPr>
+        <p:txBody>
+          <a:bodyPr/>
+          <a:lstStyle/>
+          <a:p>
+            <a:pPr marL="514350" indent="-514350">
+              <a:buAutoNum type="arabicPeriod"/>
+            </a:pPr>
+            <a:r>
+              <a:rPr lang="en-US" altLang="zh-TW" dirty="0"/>
+              <a:t>Exchange occurred</a:t>
+            </a:r>
+          </a:p>
+          <a:p>
+            <a:pPr marL="514350" indent="-514350">
+              <a:buAutoNum type="arabicPeriod"/>
+            </a:pPr>
+            <a:r>
+              <a:rPr lang="en-US" altLang="zh-TW" dirty="0"/>
+              <a:t>All nodes take hash value in the block</a:t>
+            </a:r>
+          </a:p>
+          <a:p>
+            <a:pPr marL="514350" indent="-514350">
+              <a:buAutoNum type="arabicPeriod"/>
+            </a:pPr>
+            <a:r>
+              <a:rPr lang="en-US" altLang="zh-TW" dirty="0"/>
+              <a:t>Decide who to verify the transaction</a:t>
+            </a:r>
+          </a:p>
+          <a:p>
+            <a:pPr marL="514350" indent="-514350">
+              <a:buAutoNum type="arabicPeriod"/>
+            </a:pPr>
+            <a:r>
+              <a:rPr lang="en-US" altLang="zh-TW" dirty="0"/>
+              <a:t>Broadcasts the block to all nodes</a:t>
+            </a:r>
+          </a:p>
+          <a:p>
+            <a:pPr marL="514350" indent="-514350">
+              <a:buAutoNum type="arabicPeriod"/>
+            </a:pPr>
+            <a:r>
+              <a:rPr lang="en-US" altLang="zh-TW" dirty="0"/>
+              <a:t>Verify and chain the new block</a:t>
+            </a:r>
+          </a:p>
+          <a:p>
+            <a:endParaRPr lang="zh-TW" altLang="en-US" dirty="0"/>
+          </a:p>
+        </p:txBody>
+      </p:sp>
+    </p:spTree>
+    <p:extLst>
+      <p:ext uri="{BB962C8B-B14F-4D97-AF65-F5344CB8AC3E}">
+        <p14:creationId xmlns:p14="http://schemas.microsoft.com/office/powerpoint/2010/main" val="208467080"/>
+      </p:ext>
+    </p:extLst>
+  </p:cSld>
+  <p:clrMapOvr>
+    <a:masterClrMapping/>
+  </p:clrMapOvr>
+  <p:transition spd="med">
+    <p:pull/>
+  </p:transition>
+</p:sld>
+</file>
+
+<file path=ppt/slides/slide11.xml><?xml version="1.0" encoding="utf-8"?>
+<p:sld xmlns:a="http://schemas.openxmlformats.org/drawingml/2006/main" xmlns:r="http://schemas.openxmlformats.org/officeDocument/2006/relationships" xmlns:p="http://schemas.openxmlformats.org/presentationml/2006/main">
+  <p:cSld>
+    <p:spTree>
+      <p:nvGrpSpPr>
+        <p:cNvPr id="1" name=""/>
+        <p:cNvGrpSpPr/>
+        <p:nvPr/>
+      </p:nvGrpSpPr>
+      <p:grpSpPr>
+        <a:xfrm>
+          <a:off x="0" y="0"/>
+          <a:ext cx="0" cy="0"/>
+          <a:chOff x="0" y="0"/>
+          <a:chExt cx="0" cy="0"/>
+        </a:xfrm>
+      </p:grpSpPr>
+      <p:sp>
+        <p:nvSpPr>
+          <p:cNvPr id="2" name="標題 1">
+            <a:extLst>
+              <a:ext uri="{FF2B5EF4-FFF2-40B4-BE49-F238E27FC236}">
+                <a16:creationId xmlns:a16="http://schemas.microsoft.com/office/drawing/2014/main" id="{01487F23-8D60-40C6-9D86-B5B185BDA8CA}"/>
+              </a:ext>
+            </a:extLst>
+          </p:cNvPr>
+          <p:cNvSpPr>
+            <a:spLocks noGrp="1"/>
+          </p:cNvSpPr>
+          <p:nvPr>
+            <p:ph type="title"/>
+          </p:nvPr>
+        </p:nvSpPr>
+        <p:spPr/>
+        <p:txBody>
+          <a:bodyPr>
+            <a:normAutofit fontScale="90000"/>
+          </a:bodyPr>
+          <a:lstStyle/>
+          <a:p>
+            <a:pPr algn="ctr"/>
+            <a:r>
+              <a:rPr lang="en-US" altLang="zh-TW" dirty="0"/>
+              <a:t>Question</a:t>
+            </a:r>
+            <a:endParaRPr lang="zh-TW" altLang="en-US" dirty="0"/>
+          </a:p>
+        </p:txBody>
+      </p:sp>
+      <p:sp>
+        <p:nvSpPr>
+          <p:cNvPr id="4" name="內容版面配置區 3">
+            <a:extLst>
+              <a:ext uri="{FF2B5EF4-FFF2-40B4-BE49-F238E27FC236}">
+                <a16:creationId xmlns:a16="http://schemas.microsoft.com/office/drawing/2014/main" id="{5BC672C1-64CE-4535-8111-34B300E8CCF2}"/>
+              </a:ext>
+            </a:extLst>
+          </p:cNvPr>
+          <p:cNvSpPr>
+            <a:spLocks noGrp="1"/>
+          </p:cNvSpPr>
+          <p:nvPr>
+            <p:ph idx="1"/>
+          </p:nvPr>
+        </p:nvSpPr>
+        <p:spPr>
+          <a:xfrm>
+            <a:off x="448965" y="2113634"/>
+            <a:ext cx="8246070" cy="2901395"/>
+          </a:xfrm>
+        </p:spPr>
+        <p:txBody>
+          <a:bodyPr/>
+          <a:lstStyle/>
+          <a:p>
+            <a:r>
+              <a:rPr lang="en-US" altLang="zh-TW" dirty="0"/>
+              <a:t>A. What is the main feature of the block chain?</a:t>
+            </a:r>
+          </a:p>
+          <a:p>
+            <a:r>
+              <a:rPr lang="en-US" altLang="zh-TW" dirty="0">
+                <a:solidFill>
+                  <a:srgbClr val="FF0000"/>
+                </a:solidFill>
+              </a:rPr>
+              <a:t>Decentralization</a:t>
+            </a:r>
+          </a:p>
+          <a:p>
+            <a:r>
+              <a:rPr lang="en-US" altLang="zh-TW" dirty="0"/>
+              <a:t>B. Block Chain is a single innovation technology (T/F)</a:t>
+            </a:r>
+          </a:p>
+          <a:p>
+            <a:r>
+              <a:rPr lang="en-US" altLang="zh-TW" dirty="0">
+                <a:solidFill>
+                  <a:srgbClr val="FF0000"/>
+                </a:solidFill>
+              </a:rPr>
+              <a:t>F</a:t>
+            </a:r>
+          </a:p>
+          <a:p>
+            <a:r>
+              <a:rPr lang="en-US" altLang="zh-TW" dirty="0"/>
+              <a:t>C. What is the virtual currency apply on block chain?</a:t>
+            </a:r>
+          </a:p>
+          <a:p>
+            <a:r>
+              <a:rPr lang="en-US" altLang="zh-TW" dirty="0">
+                <a:solidFill>
+                  <a:srgbClr val="FF0000"/>
+                </a:solidFill>
+              </a:rPr>
+              <a:t>Bitcoin</a:t>
+            </a:r>
+            <a:endParaRPr lang="zh-TW" altLang="en-US" dirty="0">
+              <a:solidFill>
+                <a:srgbClr val="FF0000"/>
+              </a:solidFill>
+            </a:endParaRPr>
+          </a:p>
+        </p:txBody>
+      </p:sp>
+    </p:spTree>
+    <p:extLst>
+      <p:ext uri="{BB962C8B-B14F-4D97-AF65-F5344CB8AC3E}">
+        <p14:creationId xmlns:p14="http://schemas.microsoft.com/office/powerpoint/2010/main" val="109100692"/>
+      </p:ext>
+    </p:extLst>
+  </p:cSld>
+  <p:clrMapOvr>
+    <a:masterClrMapping/>
+  </p:clrMapOvr>
+  <mc:AlternateContent xmlns:mc="http://schemas.openxmlformats.org/markup-compatibility/2006">
+    <mc:Choice xmlns:p14="http://schemas.microsoft.com/office/powerpoint/2010/main" Requires="p14">
+      <p:transition spd="slow" p14:dur="1200">
+        <p14:prism/>
+      </p:transition>
+    </mc:Choice>
+    <mc:Fallback>
+      <p:transition spd="slow">
+        <p:fade/>
+      </p:transition>
+    </mc:Fallback>
+  </mc:AlternateContent>
+  <p:timing>
+    <p:tnLst>
+      <p:par>
+        <p:cTn id="1" dur="indefinite" restart="never" nodeType="tmRoot">
+          <p:childTnLst>
+            <p:seq concurrent="1" nextAc="seek">
+              <p:cTn id="2" dur="indefinite" nodeType="mainSeq">
+                <p:childTnLst>
+                  <p:par>
+                    <p:cTn id="3" fill="hold">
+                      <p:stCondLst>
+                        <p:cond delay="indefinite"/>
+                      </p:stCondLst>
+                      <p:childTnLst>
+                        <p:par>
+                          <p:cTn id="4" fill="hold">
+                            <p:stCondLst>
+                              <p:cond delay="0"/>
+                            </p:stCondLst>
+                            <p:childTnLst>
+                              <p:par>
+                                <p:cTn id="5" presetID="1" presetClass="entr" presetSubtype="0" fill="hold" nodeType="clickEffect">
+                                  <p:stCondLst>
+                                    <p:cond delay="0"/>
+                                  </p:stCondLst>
+                                  <p:childTnLst>
+                                    <p:set>
+                                      <p:cBhvr>
+                                        <p:cTn id="6" dur="1" fill="hold">
+                                          <p:stCondLst>
+                                            <p:cond delay="0"/>
+                                          </p:stCondLst>
+                                        </p:cTn>
+                                        <p:tgtEl>
+                                          <p:spTgt spid="4">
+                                            <p:txEl>
+                                              <p:pRg st="1" end="1"/>
+                                            </p:txEl>
+                                          </p:spTgt>
+                                        </p:tgtEl>
+                                        <p:attrNameLst>
+                                          <p:attrName>style.visibility</p:attrName>
+                                        </p:attrNameLst>
+                                      </p:cBhvr>
+                                      <p:to>
+                                        <p:strVal val="visible"/>
+                                      </p:to>
+                                    </p:set>
+                                  </p:childTnLst>
+                                </p:cTn>
+                              </p:par>
+                            </p:childTnLst>
+                          </p:cTn>
+                        </p:par>
+                      </p:childTnLst>
+                    </p:cTn>
+                  </p:par>
+                  <p:par>
+                    <p:cTn id="7" fill="hold">
+                      <p:stCondLst>
+                        <p:cond delay="indefinite"/>
+                      </p:stCondLst>
+                      <p:childTnLst>
+                        <p:par>
+                          <p:cTn id="8" fill="hold">
+                            <p:stCondLst>
+                              <p:cond delay="0"/>
+                            </p:stCondLst>
+                            <p:childTnLst>
+                              <p:par>
+                                <p:cTn id="9" presetID="1" presetClass="entr" presetSubtype="0" fill="hold" nodeType="clickEffect">
+                                  <p:stCondLst>
+                                    <p:cond delay="0"/>
+                                  </p:stCondLst>
+                                  <p:childTnLst>
+                                    <p:set>
+                                      <p:cBhvr>
+                                        <p:cTn id="10" dur="1" fill="hold">
+                                          <p:stCondLst>
+                                            <p:cond delay="0"/>
+                                          </p:stCondLst>
+                                        </p:cTn>
+                                        <p:tgtEl>
+                                          <p:spTgt spid="4">
+                                            <p:txEl>
+                                              <p:pRg st="3" end="3"/>
+                                            </p:txEl>
+                                          </p:spTgt>
+                                        </p:tgtEl>
+                                        <p:attrNameLst>
+                                          <p:attrName>style.visibility</p:attrName>
+                                        </p:attrNameLst>
+                                      </p:cBhvr>
+                                      <p:to>
+                                        <p:strVal val="visible"/>
+                                      </p:to>
+                                    </p:set>
+                                  </p:childTnLst>
+                                </p:cTn>
+                              </p:par>
+                            </p:childTnLst>
+                          </p:cTn>
+                        </p:par>
+                      </p:childTnLst>
+                    </p:cTn>
+                  </p:par>
+                  <p:par>
+                    <p:cTn id="11" fill="hold">
+                      <p:stCondLst>
+                        <p:cond delay="indefinite"/>
+                      </p:stCondLst>
+                      <p:childTnLst>
+                        <p:par>
+                          <p:cTn id="12" fill="hold">
+                            <p:stCondLst>
+                              <p:cond delay="0"/>
+                            </p:stCondLst>
+                            <p:childTnLst>
+                              <p:par>
+                                <p:cTn id="13" presetID="1" presetClass="entr" presetSubtype="0" fill="hold" nodeType="clickEffect">
+                                  <p:stCondLst>
+                                    <p:cond delay="0"/>
+                                  </p:stCondLst>
+                                  <p:childTnLst>
+                                    <p:set>
+                                      <p:cBhvr>
+                                        <p:cTn id="14" dur="1" fill="hold">
+                                          <p:stCondLst>
+                                            <p:cond delay="0"/>
+                                          </p:stCondLst>
+                                        </p:cTn>
+                                        <p:tgtEl>
+                                          <p:spTgt spid="4">
+                                            <p:txEl>
+                                              <p:pRg st="5" end="5"/>
+                                            </p:txEl>
+                                          </p:spTgt>
+                                        </p:tgtEl>
+                                        <p:attrNameLst>
+                                          <p:attrName>style.visibility</p:attrName>
+                                        </p:attrNameLst>
+                                      </p:cBhvr>
+                                      <p:to>
+                                        <p:strVal val="visible"/>
+                                      </p:to>
+                                    </p:set>
+                                  </p:childTnLst>
+                                </p:cTn>
+                              </p:par>
+                            </p:childTnLst>
+                          </p:cTn>
+                        </p:par>
+                      </p:childTnLst>
+                    </p:cTn>
+                  </p:par>
+                </p:childTnLst>
+              </p:cTn>
+              <p:prevCondLst>
+                <p:cond evt="onPrev" delay="0">
+                  <p:tgtEl>
+                    <p:sldTgt/>
+                  </p:tgtEl>
+                </p:cond>
+              </p:prevCondLst>
+              <p:nextCondLst>
+                <p:cond evt="onNext" delay="0">
+                  <p:tgtEl>
+                    <p:sldTgt/>
+                  </p:tgtEl>
+                </p:cond>
+              </p:nextCondLst>
+            </p:seq>
+          </p:childTnLst>
+        </p:cTn>
+      </p:par>
+    </p:tnLst>
+  </p:timing>
+</p:sld>
+</file>
+
+<file path=ppt/slides/slide12.xml><?xml version="1.0" encoding="utf-8"?>
+<p:sld xmlns:a="http://schemas.openxmlformats.org/drawingml/2006/main" xmlns:r="http://schemas.openxmlformats.org/officeDocument/2006/relationships" xmlns:p="http://schemas.openxmlformats.org/presentationml/2006/main">
+  <p:cSld>
+    <p:spTree>
+      <p:nvGrpSpPr>
+        <p:cNvPr id="1" name=""/>
+        <p:cNvGrpSpPr/>
+        <p:nvPr/>
+      </p:nvGrpSpPr>
+      <p:grpSpPr>
+        <a:xfrm>
+          <a:off x="0" y="0"/>
+          <a:ext cx="0" cy="0"/>
+          <a:chOff x="0" y="0"/>
+          <a:chExt cx="0" cy="0"/>
+        </a:xfrm>
+      </p:grpSpPr>
+      <p:sp>
+        <p:nvSpPr>
+          <p:cNvPr id="2" name="標題 1">
+            <a:extLst>
+              <a:ext uri="{FF2B5EF4-FFF2-40B4-BE49-F238E27FC236}">
+                <a16:creationId xmlns:a16="http://schemas.microsoft.com/office/drawing/2014/main" id="{3758F56A-CC5A-42F3-A82D-BE9CCDE5FB6E}"/>
+              </a:ext>
+            </a:extLst>
+          </p:cNvPr>
+          <p:cNvSpPr>
+            <a:spLocks noGrp="1"/>
+          </p:cNvSpPr>
+          <p:nvPr>
+            <p:ph type="title"/>
+          </p:nvPr>
+        </p:nvSpPr>
+        <p:spPr/>
+        <p:txBody>
+          <a:bodyPr>
+            <a:normAutofit fontScale="90000"/>
+          </a:bodyPr>
+          <a:lstStyle/>
+          <a:p>
+            <a:pPr algn="ctr"/>
+            <a:r>
+              <a:rPr lang="en-US" altLang="zh-TW" dirty="0"/>
+              <a:t>Reference</a:t>
+            </a:r>
+            <a:endParaRPr lang="zh-TW" altLang="en-US" dirty="0"/>
+          </a:p>
+        </p:txBody>
+      </p:sp>
+      <p:sp>
+        <p:nvSpPr>
+          <p:cNvPr id="3" name="內容版面配置區 2">
+            <a:extLst>
+              <a:ext uri="{FF2B5EF4-FFF2-40B4-BE49-F238E27FC236}">
+                <a16:creationId xmlns:a16="http://schemas.microsoft.com/office/drawing/2014/main" id="{F1BCA669-79A4-472D-B476-A2C0F7FB6783}"/>
+              </a:ext>
+            </a:extLst>
+          </p:cNvPr>
+          <p:cNvSpPr>
+            <a:spLocks noGrp="1"/>
+          </p:cNvSpPr>
+          <p:nvPr>
+            <p:ph idx="1"/>
+          </p:nvPr>
+        </p:nvSpPr>
+        <p:spPr/>
+        <p:txBody>
+          <a:bodyPr/>
+          <a:lstStyle/>
+          <a:p>
+            <a:r>
+              <a:rPr lang="en-US" altLang="zh-TW" dirty="0">
+                <a:hlinkClick r:id="rId2"/>
+              </a:rPr>
+              <a:t>https://www.ithome.com.tw/news/105373</a:t>
+            </a:r>
+            <a:endParaRPr lang="en-US" altLang="zh-TW" dirty="0"/>
+          </a:p>
+          <a:p>
+            <a:r>
+              <a:rPr lang="en-US" altLang="zh-TW" dirty="0">
+                <a:hlinkClick r:id="rId3"/>
+              </a:rPr>
+              <a:t>https://www.hbrtaiwan.com/article_content_AR0007296.html</a:t>
+            </a:r>
+            <a:endParaRPr lang="en-US" altLang="zh-TW" dirty="0"/>
+          </a:p>
+          <a:p>
+            <a:endParaRPr lang="zh-TW" altLang="en-US" dirty="0"/>
+          </a:p>
+        </p:txBody>
+      </p:sp>
+    </p:spTree>
+    <p:extLst>
+      <p:ext uri="{BB962C8B-B14F-4D97-AF65-F5344CB8AC3E}">
+        <p14:creationId xmlns:p14="http://schemas.microsoft.com/office/powerpoint/2010/main" val="2828036081"/>
+      </p:ext>
+    </p:extLst>
+  </p:cSld>
+  <p:clrMapOvr>
+    <a:masterClrMapping/>
+  </p:clrMapOvr>
+  <p:transition spd="med">
+    <p:pull/>
+  </p:transition>
+</p:sld>
+</file>
+
+<file path=ppt/slides/slide13.xml><?xml version="1.0" encoding="utf-8"?>
+<p:sld xmlns:a="http://schemas.openxmlformats.org/drawingml/2006/main" xmlns:r="http://schemas.openxmlformats.org/officeDocument/2006/relationships" xmlns:p="http://schemas.openxmlformats.org/presentationml/2006/main">
+  <p:cSld>
+    <p:spTree>
+      <p:nvGrpSpPr>
+        <p:cNvPr id="1" name=""/>
+        <p:cNvGrpSpPr/>
+        <p:nvPr/>
+      </p:nvGrpSpPr>
+      <p:grpSpPr>
+        <a:xfrm>
+          <a:off x="0" y="0"/>
+          <a:ext cx="0" cy="0"/>
+          <a:chOff x="0" y="0"/>
+          <a:chExt cx="0" cy="0"/>
+        </a:xfrm>
+      </p:grpSpPr>
+      <p:sp>
+        <p:nvSpPr>
+          <p:cNvPr id="3" name="內容版面配置區 2">
+            <a:extLst>
+              <a:ext uri="{FF2B5EF4-FFF2-40B4-BE49-F238E27FC236}">
+                <a16:creationId xmlns:a16="http://schemas.microsoft.com/office/drawing/2014/main" id="{1C991A43-3E18-462F-A854-01AFC107F7F3}"/>
+              </a:ext>
+            </a:extLst>
+          </p:cNvPr>
+          <p:cNvSpPr>
+            <a:spLocks noGrp="1"/>
+          </p:cNvSpPr>
+          <p:nvPr>
+            <p:ph idx="1"/>
+          </p:nvPr>
+        </p:nvSpPr>
+        <p:spPr/>
+        <p:txBody>
+          <a:bodyPr>
+            <a:normAutofit/>
+          </a:bodyPr>
+          <a:lstStyle/>
+          <a:p>
+            <a:r>
+              <a:rPr lang="en-US" altLang="zh-TW" sz="7200" dirty="0">
+                <a:solidFill>
+                  <a:srgbClr val="5EEC3C"/>
+                </a:solidFill>
+              </a:rPr>
+              <a:t>Thanks For Listening </a:t>
+            </a:r>
+            <a:endParaRPr lang="zh-TW" altLang="en-US" sz="7200" dirty="0">
+              <a:solidFill>
+                <a:srgbClr val="5EEC3C"/>
+              </a:solidFill>
+            </a:endParaRPr>
+          </a:p>
+        </p:txBody>
+      </p:sp>
+    </p:spTree>
+    <p:extLst>
+      <p:ext uri="{BB962C8B-B14F-4D97-AF65-F5344CB8AC3E}">
+        <p14:creationId xmlns:p14="http://schemas.microsoft.com/office/powerpoint/2010/main" val="1602771553"/>
+      </p:ext>
+    </p:extLst>
+  </p:cSld>
+  <p:clrMapOvr>
+    <a:masterClrMapping/>
+  </p:clrMapOvr>
+  <p:transition spd="med">
+    <p:pull/>
   </p:transition>
 </p:sld>
 </file>
@@ -4447,7 +5019,7 @@
           <a:p>
             <a:r>
               <a:rPr lang="en-US" dirty="0"/>
-              <a:t>Blockchain is not a single innovation technology</a:t>
+              <a:t>NOT a single innovation technology</a:t>
             </a:r>
           </a:p>
           <a:p>
@@ -4559,7 +5131,7 @@
           <a:p>
             <a:r>
               <a:rPr lang="en-US" dirty="0"/>
-              <a:t>Public Ledger</a:t>
+              <a:t>Openness</a:t>
             </a:r>
           </a:p>
           <a:p>
@@ -4577,7 +5149,7 @@
           <a:p>
             <a:r>
               <a:rPr lang="en-US" dirty="0"/>
-              <a:t>Confliction resolution</a:t>
+              <a:t>Self-governing</a:t>
             </a:r>
           </a:p>
         </p:txBody>
@@ -4673,8 +5245,8 @@
         </p:nvSpPr>
         <p:spPr>
           <a:xfrm>
-            <a:off x="143555" y="1960930"/>
-            <a:ext cx="4038600" cy="3394472"/>
+            <a:off x="143554" y="1960930"/>
+            <a:ext cx="4428445" cy="3394472"/>
           </a:xfrm>
         </p:spPr>
         <p:txBody>
@@ -4682,11 +5254,25 @@
           <a:lstStyle/>
           <a:p>
             <a:pPr lvl="0"/>
-            <a:endParaRPr lang="en-US" altLang="zh-TW" dirty="0">
-              <a:solidFill>
-                <a:srgbClr val="CCCC00"/>
-              </a:solidFill>
-            </a:endParaRPr>
+            <a:r>
+              <a:rPr lang="en-US" altLang="zh-TW" dirty="0">
+                <a:solidFill>
+                  <a:srgbClr val="CCCC00"/>
+                </a:solidFill>
+              </a:rPr>
+              <a:t>Distributed Architectures</a:t>
+            </a:r>
+          </a:p>
+          <a:p>
+            <a:pPr lvl="0"/>
+            <a:r>
+              <a:rPr lang="en-US" altLang="zh-TW" dirty="0">
+                <a:solidFill>
+                  <a:srgbClr val="CCCC00"/>
+                </a:solidFill>
+              </a:rPr>
+              <a:t>Everyone is both communicator and verifier</a:t>
+            </a:r>
           </a:p>
         </p:txBody>
       </p:sp>
@@ -4760,10 +5346,10 @@
       </p:grpSpPr>
       <p:sp>
         <p:nvSpPr>
-          <p:cNvPr id="2" name="標題 1">
+          <p:cNvPr id="5" name="標題 4">
             <a:extLst>
               <a:ext uri="{FF2B5EF4-FFF2-40B4-BE49-F238E27FC236}">
-                <a16:creationId xmlns:a16="http://schemas.microsoft.com/office/drawing/2014/main" id="{A1E787D2-F054-40E7-BEC7-7993BF8E7143}"/>
+                <a16:creationId xmlns:a16="http://schemas.microsoft.com/office/drawing/2014/main" id="{62C5964C-EEFF-46BC-89DF-0DD956F0EC35}"/>
               </a:ext>
             </a:extLst>
           </p:cNvPr>
@@ -4776,19 +5362,26 @@
         </p:nvSpPr>
         <p:spPr/>
         <p:txBody>
-          <a:bodyPr/>
-          <a:lstStyle/>
-          <a:p>
-            <a:endParaRPr lang="zh-TW" altLang="en-US"/>
-          </a:p>
-        </p:txBody>
-      </p:sp>
-      <p:sp>
-        <p:nvSpPr>
-          <p:cNvPr id="3" name="內容版面配置區 2">
+          <a:bodyPr>
+            <a:normAutofit fontScale="90000"/>
+          </a:bodyPr>
+          <a:lstStyle/>
+          <a:p>
+            <a:pPr algn="ctr"/>
+            <a:r>
+              <a:rPr lang="en-US" altLang="zh-TW" dirty="0"/>
+              <a:t>Openness</a:t>
+            </a:r>
+            <a:endParaRPr lang="zh-TW" altLang="en-US" dirty="0"/>
+          </a:p>
+        </p:txBody>
+      </p:sp>
+      <p:sp>
+        <p:nvSpPr>
+          <p:cNvPr id="6" name="內容版面配置區 5">
             <a:extLst>
               <a:ext uri="{FF2B5EF4-FFF2-40B4-BE49-F238E27FC236}">
-                <a16:creationId xmlns:a16="http://schemas.microsoft.com/office/drawing/2014/main" id="{86D9CB36-2B50-4315-A135-398B9113A3F6}"/>
+                <a16:creationId xmlns:a16="http://schemas.microsoft.com/office/drawing/2014/main" id="{15CEB957-31C0-4E10-A4B7-3889B8B03490}"/>
               </a:ext>
             </a:extLst>
           </p:cNvPr>
@@ -4796,7 +5389,7 @@
             <a:spLocks noGrp="1"/>
           </p:cNvSpPr>
           <p:nvPr>
-            <p:ph sz="half" idx="1"/>
+            <p:ph idx="1"/>
           </p:nvPr>
         </p:nvSpPr>
         <p:spPr/>
@@ -4804,39 +5397,30 @@
           <a:bodyPr/>
           <a:lstStyle/>
           <a:p>
-            <a:endParaRPr lang="zh-TW" altLang="en-US"/>
-          </a:p>
-        </p:txBody>
-      </p:sp>
-      <p:sp>
-        <p:nvSpPr>
-          <p:cNvPr id="4" name="內容版面配置區 3">
-            <a:extLst>
-              <a:ext uri="{FF2B5EF4-FFF2-40B4-BE49-F238E27FC236}">
-                <a16:creationId xmlns:a16="http://schemas.microsoft.com/office/drawing/2014/main" id="{CE05B468-A43F-47A8-976F-8DD873049AC5}"/>
-              </a:ext>
-            </a:extLst>
-          </p:cNvPr>
-          <p:cNvSpPr>
-            <a:spLocks noGrp="1"/>
-          </p:cNvSpPr>
-          <p:nvPr>
-            <p:ph sz="half" idx="2"/>
-          </p:nvPr>
-        </p:nvSpPr>
-        <p:spPr/>
-        <p:txBody>
-          <a:bodyPr/>
-          <a:lstStyle/>
-          <a:p>
-            <a:endParaRPr lang="zh-TW" altLang="en-US"/>
+            <a:r>
+              <a:rPr lang="en-US" altLang="zh-TW" dirty="0"/>
+              <a:t>Block Chain’s system is public</a:t>
+            </a:r>
+          </a:p>
+          <a:p>
+            <a:r>
+              <a:rPr lang="en-US" altLang="zh-TW" dirty="0"/>
+              <a:t>Data and source code is also in public</a:t>
+            </a:r>
+          </a:p>
+          <a:p>
+            <a:r>
+              <a:rPr lang="en-US" altLang="zh-TW" dirty="0"/>
+              <a:t>ONLY private in node’s private key</a:t>
+            </a:r>
+            <a:endParaRPr lang="zh-TW" altLang="en-US" dirty="0"/>
           </a:p>
         </p:txBody>
       </p:sp>
     </p:spTree>
     <p:extLst>
       <p:ext uri="{BB962C8B-B14F-4D97-AF65-F5344CB8AC3E}">
-        <p14:creationId xmlns:p14="http://schemas.microsoft.com/office/powerpoint/2010/main" val="3044622842"/>
+        <p14:creationId xmlns:p14="http://schemas.microsoft.com/office/powerpoint/2010/main" val="1470069247"/>
       </p:ext>
     </p:extLst>
   </p:cSld>
@@ -4871,7 +5455,7 @@
           <p:cNvPr id="2" name="標題 1">
             <a:extLst>
               <a:ext uri="{FF2B5EF4-FFF2-40B4-BE49-F238E27FC236}">
-                <a16:creationId xmlns:a16="http://schemas.microsoft.com/office/drawing/2014/main" id="{01487F23-8D60-40C6-9D86-B5B185BDA8CA}"/>
+                <a16:creationId xmlns:a16="http://schemas.microsoft.com/office/drawing/2014/main" id="{1E728709-CA14-4DB1-BB1F-EF6653A08E4A}"/>
               </a:ext>
             </a:extLst>
           </p:cNvPr>
@@ -4892,7 +5476,7 @@
             <a:pPr algn="ctr"/>
             <a:r>
               <a:rPr lang="en-US" altLang="zh-TW" dirty="0"/>
-              <a:t>Question</a:t>
+              <a:t>Tamper resistant</a:t>
             </a:r>
             <a:endParaRPr lang="zh-TW" altLang="en-US" dirty="0"/>
           </a:p>
@@ -4900,10 +5484,10 @@
       </p:sp>
       <p:sp>
         <p:nvSpPr>
-          <p:cNvPr id="4" name="內容版面配置區 3">
+          <p:cNvPr id="3" name="內容版面配置區 2">
             <a:extLst>
               <a:ext uri="{FF2B5EF4-FFF2-40B4-BE49-F238E27FC236}">
-                <a16:creationId xmlns:a16="http://schemas.microsoft.com/office/drawing/2014/main" id="{5BC672C1-64CE-4535-8111-34B300E8CCF2}"/>
+                <a16:creationId xmlns:a16="http://schemas.microsoft.com/office/drawing/2014/main" id="{584EEAD2-B44F-4455-A32C-062C9A110152}"/>
               </a:ext>
             </a:extLst>
           </p:cNvPr>
@@ -4914,19 +5498,14 @@
             <p:ph idx="1"/>
           </p:nvPr>
         </p:nvSpPr>
-        <p:spPr>
-          <a:xfrm>
-            <a:off x="448965" y="2113634"/>
-            <a:ext cx="8246070" cy="2901395"/>
-          </a:xfrm>
-        </p:spPr>
+        <p:spPr/>
         <p:txBody>
           <a:bodyPr/>
           <a:lstStyle/>
           <a:p>
             <a:r>
               <a:rPr lang="en-US" altLang="zh-TW" dirty="0"/>
-              <a:t>A. What is the main feature of the block chain?</a:t>
+              <a:t>Based on hash function &amp; Asymmetric encryption</a:t>
             </a:r>
           </a:p>
           <a:p>
@@ -4935,16 +5514,7 @@
           <a:p>
             <a:r>
               <a:rPr lang="en-US" altLang="zh-TW" dirty="0"/>
-              <a:t>B. Block Chain is a single innovation technology (T/F)</a:t>
-            </a:r>
-          </a:p>
-          <a:p>
-            <a:endParaRPr lang="en-US" altLang="zh-TW" dirty="0"/>
-          </a:p>
-          <a:p>
-            <a:r>
-              <a:rPr lang="en-US" altLang="zh-TW" dirty="0"/>
-              <a:t>C. What is the virtual currency apply on block chain?</a:t>
+              <a:t>Information integrity</a:t>
             </a:r>
             <a:endParaRPr lang="zh-TW" altLang="en-US" dirty="0"/>
           </a:p>
@@ -4953,25 +5523,16 @@
     </p:spTree>
     <p:extLst>
       <p:ext uri="{BB962C8B-B14F-4D97-AF65-F5344CB8AC3E}">
-        <p14:creationId xmlns:p14="http://schemas.microsoft.com/office/powerpoint/2010/main" val="109100692"/>
+        <p14:creationId xmlns:p14="http://schemas.microsoft.com/office/powerpoint/2010/main" val="2887317776"/>
       </p:ext>
     </p:extLst>
   </p:cSld>
   <p:clrMapOvr>
     <a:masterClrMapping/>
   </p:clrMapOvr>
-  <mc:AlternateContent xmlns:mc="http://schemas.openxmlformats.org/markup-compatibility/2006">
-    <mc:Choice xmlns:p14="http://schemas.microsoft.com/office/powerpoint/2010/main" Requires="p14">
-      <p:transition spd="slow" p14:dur="1200">
-        <p14:prism/>
-      </p:transition>
-    </mc:Choice>
-    <mc:Fallback>
-      <p:transition spd="slow">
-        <p:fade/>
-      </p:transition>
-    </mc:Fallback>
-  </mc:AlternateContent>
+  <p:transition spd="med">
+    <p:pull/>
+  </p:transition>
 </p:sld>
 </file>
 
@@ -4997,7 +5558,7 @@
           <p:cNvPr id="2" name="標題 1">
             <a:extLst>
               <a:ext uri="{FF2B5EF4-FFF2-40B4-BE49-F238E27FC236}">
-                <a16:creationId xmlns:a16="http://schemas.microsoft.com/office/drawing/2014/main" id="{01487F23-8D60-40C6-9D86-B5B185BDA8CA}"/>
+                <a16:creationId xmlns:a16="http://schemas.microsoft.com/office/drawing/2014/main" id="{993F8EFB-CFD5-4E37-A855-6166DB0126AA}"/>
               </a:ext>
             </a:extLst>
           </p:cNvPr>
@@ -5018,7 +5579,7 @@
             <a:pPr algn="ctr"/>
             <a:r>
               <a:rPr lang="en-US" altLang="zh-TW" dirty="0"/>
-              <a:t>Answer</a:t>
+              <a:t>Time stamps</a:t>
             </a:r>
             <a:endParaRPr lang="zh-TW" altLang="en-US" dirty="0"/>
           </a:p>
@@ -5026,10 +5587,10 @@
       </p:sp>
       <p:sp>
         <p:nvSpPr>
-          <p:cNvPr id="4" name="內容版面配置區 3">
+          <p:cNvPr id="3" name="內容版面配置區 2">
             <a:extLst>
               <a:ext uri="{FF2B5EF4-FFF2-40B4-BE49-F238E27FC236}">
-                <a16:creationId xmlns:a16="http://schemas.microsoft.com/office/drawing/2014/main" id="{5BC672C1-64CE-4535-8111-34B300E8CCF2}"/>
+                <a16:creationId xmlns:a16="http://schemas.microsoft.com/office/drawing/2014/main" id="{A693DFA2-A257-4CAC-A53F-D7405C70381C}"/>
               </a:ext>
             </a:extLst>
           </p:cNvPr>
@@ -5047,7 +5608,7 @@
           <a:p>
             <a:r>
               <a:rPr lang="en-US" altLang="zh-TW" dirty="0"/>
-              <a:t>A. Decentralization</a:t>
+              <a:t>Stored all history data</a:t>
             </a:r>
           </a:p>
           <a:p>
@@ -5056,16 +5617,7 @@
           <a:p>
             <a:r>
               <a:rPr lang="en-US" altLang="zh-TW" dirty="0"/>
-              <a:t>B. F</a:t>
-            </a:r>
-          </a:p>
-          <a:p>
-            <a:endParaRPr lang="en-US" altLang="zh-TW" dirty="0"/>
-          </a:p>
-          <a:p>
-            <a:r>
-              <a:rPr lang="en-US" altLang="zh-TW" dirty="0"/>
-              <a:t>C. Bitcoin</a:t>
+              <a:t>Last part has the hash value from the front</a:t>
             </a:r>
             <a:endParaRPr lang="zh-TW" altLang="en-US" dirty="0"/>
           </a:p>
@@ -5074,25 +5626,122 @@
     </p:spTree>
     <p:extLst>
       <p:ext uri="{BB962C8B-B14F-4D97-AF65-F5344CB8AC3E}">
-        <p14:creationId xmlns:p14="http://schemas.microsoft.com/office/powerpoint/2010/main" val="2352499699"/>
+        <p14:creationId xmlns:p14="http://schemas.microsoft.com/office/powerpoint/2010/main" val="3815843472"/>
       </p:ext>
     </p:extLst>
   </p:cSld>
   <p:clrMapOvr>
     <a:masterClrMapping/>
   </p:clrMapOvr>
-  <mc:AlternateContent xmlns:mc="http://schemas.openxmlformats.org/markup-compatibility/2006">
-    <mc:Choice xmlns:p14="http://schemas.microsoft.com/office/powerpoint/2010/main" Requires="p14">
-      <p:transition spd="slow" p14:dur="1600">
-        <p14:conveyor dir="l"/>
-      </p:transition>
-    </mc:Choice>
-    <mc:Fallback>
-      <p:transition spd="slow">
-        <p:fade/>
-      </p:transition>
-    </mc:Fallback>
-  </mc:AlternateContent>
+  <p:transition spd="med">
+    <p:pull/>
+  </p:transition>
+</p:sld>
+</file>
+
+<file path=ppt/slides/slide9.xml><?xml version="1.0" encoding="utf-8"?>
+<p:sld xmlns:a="http://schemas.openxmlformats.org/drawingml/2006/main" xmlns:r="http://schemas.openxmlformats.org/officeDocument/2006/relationships" xmlns:p="http://schemas.openxmlformats.org/presentationml/2006/main">
+  <p:cSld>
+    <p:spTree>
+      <p:nvGrpSpPr>
+        <p:cNvPr id="1" name=""/>
+        <p:cNvGrpSpPr/>
+        <p:nvPr/>
+      </p:nvGrpSpPr>
+      <p:grpSpPr>
+        <a:xfrm>
+          <a:off x="0" y="0"/>
+          <a:ext cx="0" cy="0"/>
+          <a:chOff x="0" y="0"/>
+          <a:chExt cx="0" cy="0"/>
+        </a:xfrm>
+      </p:grpSpPr>
+      <p:sp>
+        <p:nvSpPr>
+          <p:cNvPr id="2" name="標題 1">
+            <a:extLst>
+              <a:ext uri="{FF2B5EF4-FFF2-40B4-BE49-F238E27FC236}">
+                <a16:creationId xmlns:a16="http://schemas.microsoft.com/office/drawing/2014/main" id="{EBBF062B-F2A1-4AD2-90E1-D234110F29CA}"/>
+              </a:ext>
+            </a:extLst>
+          </p:cNvPr>
+          <p:cNvSpPr>
+            <a:spLocks noGrp="1"/>
+          </p:cNvSpPr>
+          <p:nvPr>
+            <p:ph type="title"/>
+          </p:nvPr>
+        </p:nvSpPr>
+        <p:spPr/>
+        <p:txBody>
+          <a:bodyPr>
+            <a:normAutofit fontScale="90000"/>
+          </a:bodyPr>
+          <a:lstStyle/>
+          <a:p>
+            <a:pPr algn="ctr"/>
+            <a:r>
+              <a:rPr lang="en-US" altLang="zh-TW" dirty="0"/>
+              <a:t>Self-governing</a:t>
+            </a:r>
+            <a:endParaRPr lang="zh-TW" altLang="en-US" dirty="0"/>
+          </a:p>
+        </p:txBody>
+      </p:sp>
+      <p:sp>
+        <p:nvSpPr>
+          <p:cNvPr id="3" name="內容版面配置區 2">
+            <a:extLst>
+              <a:ext uri="{FF2B5EF4-FFF2-40B4-BE49-F238E27FC236}">
+                <a16:creationId xmlns:a16="http://schemas.microsoft.com/office/drawing/2014/main" id="{A5C886EF-6FDB-4858-AA2F-FC14D46E031A}"/>
+              </a:ext>
+            </a:extLst>
+          </p:cNvPr>
+          <p:cNvSpPr>
+            <a:spLocks noGrp="1"/>
+          </p:cNvSpPr>
+          <p:nvPr>
+            <p:ph idx="1"/>
+          </p:nvPr>
+        </p:nvSpPr>
+        <p:spPr/>
+        <p:txBody>
+          <a:bodyPr/>
+          <a:lstStyle/>
+          <a:p>
+            <a:r>
+              <a:rPr lang="en-US" altLang="zh-TW" dirty="0"/>
+              <a:t>Rules</a:t>
+            </a:r>
+          </a:p>
+          <a:p>
+            <a:r>
+              <a:rPr lang="en-US" altLang="zh-TW" dirty="0"/>
+              <a:t>Freedom, Safety, Accessibility</a:t>
+            </a:r>
+          </a:p>
+          <a:p>
+            <a:r>
+              <a:rPr lang="en-US" altLang="zh-TW" dirty="0"/>
+              <a:t>Human-Human -&gt; Human-Machine</a:t>
+            </a:r>
+            <a:endParaRPr lang="zh-TW" altLang="en-US" dirty="0"/>
+          </a:p>
+        </p:txBody>
+      </p:sp>
+    </p:spTree>
+    <p:extLst>
+      <p:ext uri="{BB962C8B-B14F-4D97-AF65-F5344CB8AC3E}">
+        <p14:creationId xmlns:p14="http://schemas.microsoft.com/office/powerpoint/2010/main" val="994012847"/>
+      </p:ext>
+    </p:extLst>
+  </p:cSld>
+  <p:clrMapOvr>
+    <a:masterClrMapping/>
+  </p:clrMapOvr>
+  <p:transition spd="med">
+    <p:pull/>
+  </p:transition>
 </p:sld>
 </file>
 

--- a/blockchain.pptx
+++ b/blockchain.pptx
@@ -14,9 +14,9 @@
     <p:sldId id="261" r:id="rId5"/>
     <p:sldId id="258" r:id="rId6"/>
     <p:sldId id="263" r:id="rId7"/>
-    <p:sldId id="264" r:id="rId8"/>
-    <p:sldId id="265" r:id="rId9"/>
-    <p:sldId id="266" r:id="rId10"/>
+    <p:sldId id="266" r:id="rId8"/>
+    <p:sldId id="264" r:id="rId9"/>
+    <p:sldId id="265" r:id="rId10"/>
     <p:sldId id="268" r:id="rId11"/>
     <p:sldId id="260" r:id="rId12"/>
     <p:sldId id="267" r:id="rId13"/>
@@ -220,7 +220,7 @@
           <a:p>
             <a:fld id="{2345A4F8-D17E-437A-B973-86A5AEFC44B1}" type="datetimeFigureOut">
               <a:rPr lang="en-US" smtClean="0"/>
-              <a:t>6/4/2018</a:t>
+              <a:t>6/5/2018</a:t>
             </a:fld>
             <a:endParaRPr lang="en-US"/>
           </a:p>
@@ -796,7 +796,7 @@
             <a:fld id="{53074F12-AA26-4AC8-9962-C36BB8F32554}" type="datetimeFigureOut">
               <a:rPr lang="en-US" smtClean="0"/>
               <a:pPr/>
-              <a:t>6/4/2018</a:t>
+              <a:t>6/5/2018</a:t>
             </a:fld>
             <a:endParaRPr lang="en-US"/>
           </a:p>
@@ -1053,7 +1053,7 @@
             <a:fld id="{53074F12-AA26-4AC8-9962-C36BB8F32554}" type="datetimeFigureOut">
               <a:rPr lang="en-US" smtClean="0"/>
               <a:pPr/>
-              <a:t>6/4/2018</a:t>
+              <a:t>6/5/2018</a:t>
             </a:fld>
             <a:endParaRPr lang="en-US"/>
           </a:p>
@@ -1226,7 +1226,7 @@
             <a:fld id="{53074F12-AA26-4AC8-9962-C36BB8F32554}" type="datetimeFigureOut">
               <a:rPr lang="en-US" smtClean="0"/>
               <a:pPr/>
-              <a:t>6/4/2018</a:t>
+              <a:t>6/5/2018</a:t>
             </a:fld>
             <a:endParaRPr lang="en-US"/>
           </a:p>
@@ -1409,7 +1409,7 @@
             <a:fld id="{53074F12-AA26-4AC8-9962-C36BB8F32554}" type="datetimeFigureOut">
               <a:rPr lang="en-US" smtClean="0"/>
               <a:pPr/>
-              <a:t>6/4/2018</a:t>
+              <a:t>6/5/2018</a:t>
             </a:fld>
             <a:endParaRPr lang="en-US"/>
           </a:p>
@@ -1645,7 +1645,7 @@
             <a:fld id="{53074F12-AA26-4AC8-9962-C36BB8F32554}" type="datetimeFigureOut">
               <a:rPr lang="en-US" smtClean="0"/>
               <a:pPr/>
-              <a:t>6/4/2018</a:t>
+              <a:t>6/5/2018</a:t>
             </a:fld>
             <a:endParaRPr lang="en-US"/>
           </a:p>
@@ -1895,7 +1895,7 @@
             <a:fld id="{53074F12-AA26-4AC8-9962-C36BB8F32554}" type="datetimeFigureOut">
               <a:rPr lang="en-US" smtClean="0"/>
               <a:pPr/>
-              <a:t>6/4/2018</a:t>
+              <a:t>6/5/2018</a:t>
             </a:fld>
             <a:endParaRPr lang="en-US"/>
           </a:p>
@@ -2145,7 +2145,7 @@
             <a:fld id="{53074F12-AA26-4AC8-9962-C36BB8F32554}" type="datetimeFigureOut">
               <a:rPr lang="en-US" smtClean="0"/>
               <a:pPr/>
-              <a:t>6/4/2018</a:t>
+              <a:t>6/5/2018</a:t>
             </a:fld>
             <a:endParaRPr lang="en-US"/>
           </a:p>
@@ -2435,7 +2435,7 @@
             <a:fld id="{53074F12-AA26-4AC8-9962-C36BB8F32554}" type="datetimeFigureOut">
               <a:rPr lang="en-US" smtClean="0"/>
               <a:pPr/>
-              <a:t>6/4/2018</a:t>
+              <a:t>6/5/2018</a:t>
             </a:fld>
             <a:endParaRPr lang="en-US"/>
           </a:p>
@@ -2925,7 +2925,7 @@
             <a:fld id="{53074F12-AA26-4AC8-9962-C36BB8F32554}" type="datetimeFigureOut">
               <a:rPr lang="en-US" smtClean="0"/>
               <a:pPr/>
-              <a:t>6/4/2018</a:t>
+              <a:t>6/5/2018</a:t>
             </a:fld>
             <a:endParaRPr lang="en-US"/>
           </a:p>
@@ -3047,7 +3047,7 @@
             <a:fld id="{53074F12-AA26-4AC8-9962-C36BB8F32554}" type="datetimeFigureOut">
               <a:rPr lang="en-US" smtClean="0"/>
               <a:pPr/>
-              <a:t>6/4/2018</a:t>
+              <a:t>6/5/2018</a:t>
             </a:fld>
             <a:endParaRPr lang="en-US"/>
           </a:p>
@@ -3147,7 +3147,7 @@
             <a:fld id="{53074F12-AA26-4AC8-9962-C36BB8F32554}" type="datetimeFigureOut">
               <a:rPr lang="en-US" smtClean="0"/>
               <a:pPr/>
-              <a:t>6/4/2018</a:t>
+              <a:t>6/5/2018</a:t>
             </a:fld>
             <a:endParaRPr lang="en-US"/>
           </a:p>
@@ -3427,7 +3427,7 @@
             <a:fld id="{53074F12-AA26-4AC8-9962-C36BB8F32554}" type="datetimeFigureOut">
               <a:rPr lang="en-US" smtClean="0"/>
               <a:pPr/>
-              <a:t>6/4/2018</a:t>
+              <a:t>6/5/2018</a:t>
             </a:fld>
             <a:endParaRPr lang="en-US"/>
           </a:p>
@@ -3652,7 +3652,7 @@
             <a:fld id="{53074F12-AA26-4AC8-9962-C36BB8F32554}" type="datetimeFigureOut">
               <a:rPr lang="en-US" smtClean="0"/>
               <a:pPr/>
-              <a:t>6/4/2018</a:t>
+              <a:t>6/5/2018</a:t>
             </a:fld>
             <a:endParaRPr lang="en-US"/>
           </a:p>
@@ -4459,13 +4459,13 @@
   <p:clrMapOvr>
     <a:masterClrMapping/>
   </p:clrMapOvr>
-  <mc:AlternateContent xmlns:mc="http://schemas.openxmlformats.org/markup-compatibility/2006">
-    <mc:Choice xmlns:p14="http://schemas.microsoft.com/office/powerpoint/2010/main" Requires="p14">
+  <mc:AlternateContent xmlns:mc="http://schemas.openxmlformats.org/markup-compatibility/2006" xmlns:p14="http://schemas.microsoft.com/office/powerpoint/2010/main">
+    <mc:Choice Requires="p14">
       <p:transition spd="slow" p14:dur="1200">
         <p14:prism/>
       </p:transition>
     </mc:Choice>
-    <mc:Fallback>
+    <mc:Fallback xmlns="">
       <p:transition spd="slow">
         <p:fade/>
       </p:transition>
@@ -4937,13 +4937,13 @@
   <p:clrMapOvr>
     <a:masterClrMapping/>
   </p:clrMapOvr>
-  <mc:AlternateContent xmlns:mc="http://schemas.openxmlformats.org/markup-compatibility/2006">
-    <mc:Choice xmlns:p14="http://schemas.microsoft.com/office/powerpoint/2010/main" Requires="p14">
+  <mc:AlternateContent xmlns:mc="http://schemas.openxmlformats.org/markup-compatibility/2006" xmlns:p14="http://schemas.microsoft.com/office/powerpoint/2010/main">
+    <mc:Choice Requires="p14">
       <p:transition spd="slow" p14:dur="2500">
         <p:checker/>
       </p:transition>
     </mc:Choice>
-    <mc:Fallback>
+    <mc:Fallback xmlns="">
       <p:transition spd="slow">
         <p:checker/>
       </p:transition>
@@ -5046,13 +5046,13 @@
   <p:clrMapOvr>
     <a:masterClrMapping/>
   </p:clrMapOvr>
-  <mc:AlternateContent xmlns:mc="http://schemas.openxmlformats.org/markup-compatibility/2006">
-    <mc:Choice xmlns:p14="http://schemas.microsoft.com/office/powerpoint/2010/main" Requires="p14">
+  <mc:AlternateContent xmlns:mc="http://schemas.openxmlformats.org/markup-compatibility/2006" xmlns:p14="http://schemas.microsoft.com/office/powerpoint/2010/main">
+    <mc:Choice Requires="p14">
       <p:transition spd="slow" p14:dur="1300">
         <p14:pan dir="u"/>
       </p:transition>
     </mc:Choice>
-    <mc:Fallback>
+    <mc:Fallback xmlns="">
       <p:transition spd="slow">
         <p:fade/>
       </p:transition>
@@ -5136,6 +5136,13 @@
           </a:p>
           <a:p>
             <a:r>
+              <a:rPr lang="en-US" altLang="zh-TW" dirty="0"/>
+              <a:t>Self-governing</a:t>
+            </a:r>
+            <a:endParaRPr lang="en-US" dirty="0"/>
+          </a:p>
+          <a:p>
+            <a:r>
               <a:rPr lang="en-US" dirty="0"/>
               <a:t>Tamper resistant</a:t>
             </a:r>
@@ -5144,12 +5151,6 @@
             <a:r>
               <a:rPr lang="en-US" dirty="0"/>
               <a:t>Time stamps</a:t>
-            </a:r>
-          </a:p>
-          <a:p>
-            <a:r>
-              <a:rPr lang="en-US" dirty="0"/>
-              <a:t>Self-governing</a:t>
             </a:r>
           </a:p>
         </p:txBody>
@@ -5455,7 +5456,7 @@
           <p:cNvPr id="2" name="標題 1">
             <a:extLst>
               <a:ext uri="{FF2B5EF4-FFF2-40B4-BE49-F238E27FC236}">
-                <a16:creationId xmlns:a16="http://schemas.microsoft.com/office/drawing/2014/main" id="{1E728709-CA14-4DB1-BB1F-EF6653A08E4A}"/>
+                <a16:creationId xmlns:a16="http://schemas.microsoft.com/office/drawing/2014/main" id="{EBBF062B-F2A1-4AD2-90E1-D234110F29CA}"/>
               </a:ext>
             </a:extLst>
           </p:cNvPr>
@@ -5476,7 +5477,7 @@
             <a:pPr algn="ctr"/>
             <a:r>
               <a:rPr lang="en-US" altLang="zh-TW" dirty="0"/>
-              <a:t>Tamper resistant</a:t>
+              <a:t>Self-governing</a:t>
             </a:r>
             <a:endParaRPr lang="zh-TW" altLang="en-US" dirty="0"/>
           </a:p>
@@ -5487,7 +5488,7 @@
           <p:cNvPr id="3" name="內容版面配置區 2">
             <a:extLst>
               <a:ext uri="{FF2B5EF4-FFF2-40B4-BE49-F238E27FC236}">
-                <a16:creationId xmlns:a16="http://schemas.microsoft.com/office/drawing/2014/main" id="{584EEAD2-B44F-4455-A32C-062C9A110152}"/>
+                <a16:creationId xmlns:a16="http://schemas.microsoft.com/office/drawing/2014/main" id="{A5C886EF-6FDB-4858-AA2F-FC14D46E031A}"/>
               </a:ext>
             </a:extLst>
           </p:cNvPr>
@@ -5505,16 +5506,19 @@
           <a:p>
             <a:r>
               <a:rPr lang="en-US" altLang="zh-TW" dirty="0"/>
-              <a:t>Based on hash function &amp; Asymmetric encryption</a:t>
-            </a:r>
-          </a:p>
-          <a:p>
-            <a:endParaRPr lang="en-US" altLang="zh-TW" dirty="0"/>
+              <a:t>Rules</a:t>
+            </a:r>
           </a:p>
           <a:p>
             <a:r>
               <a:rPr lang="en-US" altLang="zh-TW" dirty="0"/>
-              <a:t>Information integrity</a:t>
+              <a:t>Freedom, Safety, Accessibility</a:t>
+            </a:r>
+          </a:p>
+          <a:p>
+            <a:r>
+              <a:rPr lang="en-US" altLang="zh-TW" dirty="0"/>
+              <a:t>Human-Human -&gt; Human-Machine</a:t>
             </a:r>
             <a:endParaRPr lang="zh-TW" altLang="en-US" dirty="0"/>
           </a:p>
@@ -5523,7 +5527,7 @@
     </p:spTree>
     <p:extLst>
       <p:ext uri="{BB962C8B-B14F-4D97-AF65-F5344CB8AC3E}">
-        <p14:creationId xmlns:p14="http://schemas.microsoft.com/office/powerpoint/2010/main" val="2887317776"/>
+        <p14:creationId xmlns:p14="http://schemas.microsoft.com/office/powerpoint/2010/main" val="994012847"/>
       </p:ext>
     </p:extLst>
   </p:cSld>
@@ -5558,7 +5562,7 @@
           <p:cNvPr id="2" name="標題 1">
             <a:extLst>
               <a:ext uri="{FF2B5EF4-FFF2-40B4-BE49-F238E27FC236}">
-                <a16:creationId xmlns:a16="http://schemas.microsoft.com/office/drawing/2014/main" id="{993F8EFB-CFD5-4E37-A855-6166DB0126AA}"/>
+                <a16:creationId xmlns:a16="http://schemas.microsoft.com/office/drawing/2014/main" id="{1E728709-CA14-4DB1-BB1F-EF6653A08E4A}"/>
               </a:ext>
             </a:extLst>
           </p:cNvPr>
@@ -5579,7 +5583,7 @@
             <a:pPr algn="ctr"/>
             <a:r>
               <a:rPr lang="en-US" altLang="zh-TW" dirty="0"/>
-              <a:t>Time stamps</a:t>
+              <a:t>Tamper resistant</a:t>
             </a:r>
             <a:endParaRPr lang="zh-TW" altLang="en-US" dirty="0"/>
           </a:p>
@@ -5590,7 +5594,7 @@
           <p:cNvPr id="3" name="內容版面配置區 2">
             <a:extLst>
               <a:ext uri="{FF2B5EF4-FFF2-40B4-BE49-F238E27FC236}">
-                <a16:creationId xmlns:a16="http://schemas.microsoft.com/office/drawing/2014/main" id="{A693DFA2-A257-4CAC-A53F-D7405C70381C}"/>
+                <a16:creationId xmlns:a16="http://schemas.microsoft.com/office/drawing/2014/main" id="{584EEAD2-B44F-4455-A32C-062C9A110152}"/>
               </a:ext>
             </a:extLst>
           </p:cNvPr>
@@ -5608,7 +5612,7 @@
           <a:p>
             <a:r>
               <a:rPr lang="en-US" altLang="zh-TW" dirty="0"/>
-              <a:t>Stored all history data</a:t>
+              <a:t>Based on hash function &amp; Asymmetric encryption</a:t>
             </a:r>
           </a:p>
           <a:p>
@@ -5617,7 +5621,7 @@
           <a:p>
             <a:r>
               <a:rPr lang="en-US" altLang="zh-TW" dirty="0"/>
-              <a:t>Last part has the hash value from the front</a:t>
+              <a:t>Information integrity</a:t>
             </a:r>
             <a:endParaRPr lang="zh-TW" altLang="en-US" dirty="0"/>
           </a:p>
@@ -5626,7 +5630,7 @@
     </p:spTree>
     <p:extLst>
       <p:ext uri="{BB962C8B-B14F-4D97-AF65-F5344CB8AC3E}">
-        <p14:creationId xmlns:p14="http://schemas.microsoft.com/office/powerpoint/2010/main" val="3815843472"/>
+        <p14:creationId xmlns:p14="http://schemas.microsoft.com/office/powerpoint/2010/main" val="2887317776"/>
       </p:ext>
     </p:extLst>
   </p:cSld>
@@ -5661,7 +5665,7 @@
           <p:cNvPr id="2" name="標題 1">
             <a:extLst>
               <a:ext uri="{FF2B5EF4-FFF2-40B4-BE49-F238E27FC236}">
-                <a16:creationId xmlns:a16="http://schemas.microsoft.com/office/drawing/2014/main" id="{EBBF062B-F2A1-4AD2-90E1-D234110F29CA}"/>
+                <a16:creationId xmlns:a16="http://schemas.microsoft.com/office/drawing/2014/main" id="{993F8EFB-CFD5-4E37-A855-6166DB0126AA}"/>
               </a:ext>
             </a:extLst>
           </p:cNvPr>
@@ -5682,7 +5686,7 @@
             <a:pPr algn="ctr"/>
             <a:r>
               <a:rPr lang="en-US" altLang="zh-TW" dirty="0"/>
-              <a:t>Self-governing</a:t>
+              <a:t>Time stamps</a:t>
             </a:r>
             <a:endParaRPr lang="zh-TW" altLang="en-US" dirty="0"/>
           </a:p>
@@ -5693,7 +5697,7 @@
           <p:cNvPr id="3" name="內容版面配置區 2">
             <a:extLst>
               <a:ext uri="{FF2B5EF4-FFF2-40B4-BE49-F238E27FC236}">
-                <a16:creationId xmlns:a16="http://schemas.microsoft.com/office/drawing/2014/main" id="{A5C886EF-6FDB-4858-AA2F-FC14D46E031A}"/>
+                <a16:creationId xmlns:a16="http://schemas.microsoft.com/office/drawing/2014/main" id="{A693DFA2-A257-4CAC-A53F-D7405C70381C}"/>
               </a:ext>
             </a:extLst>
           </p:cNvPr>
@@ -5711,19 +5715,16 @@
           <a:p>
             <a:r>
               <a:rPr lang="en-US" altLang="zh-TW" dirty="0"/>
-              <a:t>Rules</a:t>
-            </a:r>
+              <a:t>Stored all history data</a:t>
+            </a:r>
+          </a:p>
+          <a:p>
+            <a:endParaRPr lang="en-US" altLang="zh-TW" dirty="0"/>
           </a:p>
           <a:p>
             <a:r>
               <a:rPr lang="en-US" altLang="zh-TW" dirty="0"/>
-              <a:t>Freedom, Safety, Accessibility</a:t>
-            </a:r>
-          </a:p>
-          <a:p>
-            <a:r>
-              <a:rPr lang="en-US" altLang="zh-TW" dirty="0"/>
-              <a:t>Human-Human -&gt; Human-Machine</a:t>
+              <a:t>Last part has the hash value from the front</a:t>
             </a:r>
             <a:endParaRPr lang="zh-TW" altLang="en-US" dirty="0"/>
           </a:p>
@@ -5732,7 +5733,7 @@
     </p:spTree>
     <p:extLst>
       <p:ext uri="{BB962C8B-B14F-4D97-AF65-F5344CB8AC3E}">
-        <p14:creationId xmlns:p14="http://schemas.microsoft.com/office/powerpoint/2010/main" val="994012847"/>
+        <p14:creationId xmlns:p14="http://schemas.microsoft.com/office/powerpoint/2010/main" val="3815843472"/>
       </p:ext>
     </p:extLst>
   </p:cSld>

--- a/blockchain.pptx
+++ b/blockchain.pptx
@@ -4213,17 +4213,32 @@
             <p:ph type="title"/>
           </p:nvPr>
         </p:nvSpPr>
-        <p:spPr/>
+        <p:spPr>
+          <a:xfrm>
+            <a:off x="2741802" y="1156494"/>
+            <a:ext cx="8229600" cy="857250"/>
+          </a:xfrm>
+        </p:spPr>
         <p:txBody>
           <a:bodyPr>
-            <a:normAutofit fontScale="90000"/>
+            <a:normAutofit/>
           </a:bodyPr>
           <a:lstStyle/>
           <a:p>
-            <a:pPr algn="ctr"/>
-            <a:r>
-              <a:rPr lang="en-US" altLang="zh-TW" dirty="0"/>
-              <a:t>Transaction</a:t>
+            <a:r>
+              <a:rPr lang="en-US" altLang="zh-TW" sz="3200" dirty="0">
+                <a:solidFill>
+                  <a:srgbClr val="FE9202"/>
+                </a:solidFill>
+                <a:effectLst>
+                  <a:outerShdw blurRad="50800" dist="38100" dir="2700000" algn="tl" rotWithShape="0">
+                    <a:prstClr val="black">
+                      <a:alpha val="40000"/>
+                    </a:prstClr>
+                  </a:outerShdw>
+                </a:effectLst>
+              </a:rPr>
+              <a:t>Transactions</a:t>
             </a:r>
             <a:endParaRPr lang="zh-TW" altLang="en-US" dirty="0"/>
           </a:p>
@@ -4242,68 +4257,145 @@
             <a:spLocks noGrp="1"/>
           </p:cNvSpPr>
           <p:nvPr>
-            <p:ph idx="1"/>
+            <p:ph sz="half" idx="1"/>
           </p:nvPr>
         </p:nvSpPr>
         <p:spPr>
           <a:xfrm>
-            <a:off x="448966" y="2266341"/>
-            <a:ext cx="8246070" cy="2877160"/>
+            <a:off x="457200" y="1200151"/>
+            <a:ext cx="4038600" cy="3737370"/>
           </a:xfrm>
         </p:spPr>
         <p:txBody>
           <a:bodyPr/>
           <a:lstStyle/>
+          <a:p>
+            <a:pPr marL="514350" lvl="0" indent="-514350">
+              <a:buAutoNum type="arabicPeriod"/>
+            </a:pPr>
+            <a:r>
+              <a:rPr lang="en-US" altLang="zh-TW" sz="2400" dirty="0">
+                <a:solidFill>
+                  <a:srgbClr val="CCCC00"/>
+                </a:solidFill>
+              </a:rPr>
+              <a:t>Exchange occurred</a:t>
+            </a:r>
+          </a:p>
+          <a:p>
+            <a:pPr marL="514350" lvl="0" indent="-514350">
+              <a:buAutoNum type="arabicPeriod"/>
+            </a:pPr>
+            <a:r>
+              <a:rPr lang="en-US" altLang="zh-TW" sz="2400" dirty="0">
+                <a:solidFill>
+                  <a:srgbClr val="CCCC00"/>
+                </a:solidFill>
+              </a:rPr>
+              <a:t>All nodes take hash value in the block</a:t>
+            </a:r>
+          </a:p>
+          <a:p>
+            <a:pPr marL="514350" lvl="0" indent="-514350">
+              <a:buAutoNum type="arabicPeriod"/>
+            </a:pPr>
+            <a:r>
+              <a:rPr lang="en-US" altLang="zh-TW" sz="2400" dirty="0">
+                <a:solidFill>
+                  <a:srgbClr val="CCCC00"/>
+                </a:solidFill>
+              </a:rPr>
+              <a:t>Decide who to verify the transaction</a:t>
+            </a:r>
+          </a:p>
+          <a:p>
+            <a:pPr marL="514350" lvl="0" indent="-514350">
+              <a:buAutoNum type="arabicPeriod"/>
+            </a:pPr>
+            <a:r>
+              <a:rPr lang="en-US" altLang="zh-TW" sz="2400" dirty="0">
+                <a:solidFill>
+                  <a:srgbClr val="CCCC00"/>
+                </a:solidFill>
+              </a:rPr>
+              <a:t>Broadcasts the block to all nodes</a:t>
+            </a:r>
+          </a:p>
+          <a:p>
+            <a:pPr marL="514350" lvl="0" indent="-514350">
+              <a:buAutoNum type="arabicPeriod"/>
+            </a:pPr>
+            <a:r>
+              <a:rPr lang="en-US" altLang="zh-TW" dirty="0">
+                <a:solidFill>
+                  <a:srgbClr val="CCCC00"/>
+                </a:solidFill>
+              </a:rPr>
+              <a:t>Verify and chain the new block</a:t>
+            </a:r>
+          </a:p>
+          <a:p>
+            <a:pPr marL="514350" lvl="0" indent="-514350">
+              <a:buAutoNum type="arabicPeriod"/>
+            </a:pPr>
+            <a:endParaRPr lang="en-US" altLang="zh-TW" dirty="0">
+              <a:solidFill>
+                <a:srgbClr val="CCCC00"/>
+              </a:solidFill>
+            </a:endParaRPr>
+          </a:p>
           <a:p>
             <a:pPr marL="514350" indent="-514350">
               <a:buAutoNum type="arabicPeriod"/>
             </a:pPr>
-            <a:r>
-              <a:rPr lang="en-US" altLang="zh-TW" dirty="0"/>
-              <a:t>Exchange occurred</a:t>
-            </a:r>
+            <a:endParaRPr lang="en-US" altLang="zh-TW" sz="2400" dirty="0"/>
           </a:p>
           <a:p>
             <a:pPr marL="514350" indent="-514350">
               <a:buAutoNum type="arabicPeriod"/>
             </a:pPr>
-            <a:r>
-              <a:rPr lang="en-US" altLang="zh-TW" dirty="0"/>
-              <a:t>All nodes take hash value in the block</a:t>
-            </a:r>
-          </a:p>
-          <a:p>
-            <a:pPr marL="514350" indent="-514350">
-              <a:buAutoNum type="arabicPeriod"/>
-            </a:pPr>
-            <a:r>
-              <a:rPr lang="en-US" altLang="zh-TW" dirty="0"/>
-              <a:t>Decide who to verify the transaction</a:t>
-            </a:r>
-          </a:p>
-          <a:p>
-            <a:pPr marL="514350" indent="-514350">
-              <a:buAutoNum type="arabicPeriod"/>
-            </a:pPr>
-            <a:r>
-              <a:rPr lang="en-US" altLang="zh-TW" dirty="0"/>
-              <a:t>Broadcasts the block to all nodes</a:t>
-            </a:r>
-          </a:p>
-          <a:p>
-            <a:pPr marL="514350" indent="-514350">
-              <a:buAutoNum type="arabicPeriod"/>
-            </a:pPr>
-            <a:r>
-              <a:rPr lang="en-US" altLang="zh-TW" dirty="0"/>
-              <a:t>Verify and chain the new block</a:t>
-            </a:r>
+            <a:endParaRPr lang="en-US" altLang="zh-TW" sz="2400" dirty="0"/>
           </a:p>
           <a:p>
             <a:endParaRPr lang="zh-TW" altLang="en-US" dirty="0"/>
           </a:p>
         </p:txBody>
       </p:sp>
+      <p:pic>
+        <p:nvPicPr>
+          <p:cNvPr id="6" name="內容版面配置區 5">
+            <a:extLst>
+              <a:ext uri="{FF2B5EF4-FFF2-40B4-BE49-F238E27FC236}">
+                <a16:creationId xmlns:a16="http://schemas.microsoft.com/office/drawing/2014/main" id="{F3A1CE1C-54D0-443E-8AB0-A6FBE9B0D6B6}"/>
+              </a:ext>
+            </a:extLst>
+          </p:cNvPr>
+          <p:cNvPicPr>
+            <a:picLocks noGrp="1" noChangeAspect="1"/>
+          </p:cNvPicPr>
+          <p:nvPr>
+            <p:ph sz="half" idx="2"/>
+          </p:nvPr>
+        </p:nvPicPr>
+        <p:blipFill>
+          <a:blip r:embed="rId2">
+            <a:extLst>
+              <a:ext uri="{28A0092B-C50C-407E-A947-70E740481C1C}">
+                <a14:useLocalDpi xmlns:a14="http://schemas.microsoft.com/office/drawing/2010/main" val="0"/>
+              </a:ext>
+            </a:extLst>
+          </a:blip>
+          <a:stretch>
+            <a:fillRect/>
+          </a:stretch>
+        </p:blipFill>
+        <p:spPr>
+          <a:xfrm>
+            <a:off x="4648200" y="2013744"/>
+            <a:ext cx="4416804" cy="2923777"/>
+          </a:xfrm>
+        </p:spPr>
+      </p:pic>
     </p:spTree>
     <p:extLst>
       <p:ext uri="{BB962C8B-B14F-4D97-AF65-F5344CB8AC3E}">

--- a/blockchain.pptx
+++ b/blockchain.pptx
@@ -5,7 +5,7 @@
     <p:sldMasterId id="2147483648" r:id="rId1"/>
   </p:sldMasterIdLst>
   <p:notesMasterIdLst>
-    <p:notesMasterId r:id="rId15"/>
+    <p:notesMasterId r:id="rId21"/>
   </p:notesMasterIdLst>
   <p:sldIdLst>
     <p:sldId id="256" r:id="rId2"/>
@@ -18,9 +18,15 @@
     <p:sldId id="264" r:id="rId9"/>
     <p:sldId id="265" r:id="rId10"/>
     <p:sldId id="268" r:id="rId11"/>
-    <p:sldId id="260" r:id="rId12"/>
-    <p:sldId id="267" r:id="rId13"/>
-    <p:sldId id="269" r:id="rId14"/>
+    <p:sldId id="270" r:id="rId12"/>
+    <p:sldId id="271" r:id="rId13"/>
+    <p:sldId id="272" r:id="rId14"/>
+    <p:sldId id="273" r:id="rId15"/>
+    <p:sldId id="274" r:id="rId16"/>
+    <p:sldId id="275" r:id="rId17"/>
+    <p:sldId id="276" r:id="rId18"/>
+    <p:sldId id="267" r:id="rId19"/>
+    <p:sldId id="269" r:id="rId20"/>
   </p:sldIdLst>
   <p:sldSz cx="9144000" cy="5143500" type="screen16x9"/>
   <p:notesSz cx="6858000" cy="9144000"/>
@@ -485,90 +491,6 @@
     </a:lvl9pPr>
   </p:notesStyle>
 </p:notesMaster>
-</file>
-
-<file path=ppt/notesSlides/notesSlide1.xml><?xml version="1.0" encoding="utf-8"?>
-<p:notes xmlns:a="http://schemas.openxmlformats.org/drawingml/2006/main" xmlns:r="http://schemas.openxmlformats.org/officeDocument/2006/relationships" xmlns:p="http://schemas.openxmlformats.org/presentationml/2006/main">
-  <p:cSld>
-    <p:spTree>
-      <p:nvGrpSpPr>
-        <p:cNvPr id="1" name=""/>
-        <p:cNvGrpSpPr/>
-        <p:nvPr/>
-      </p:nvGrpSpPr>
-      <p:grpSpPr>
-        <a:xfrm>
-          <a:off x="0" y="0"/>
-          <a:ext cx="0" cy="0"/>
-          <a:chOff x="0" y="0"/>
-          <a:chExt cx="0" cy="0"/>
-        </a:xfrm>
-      </p:grpSpPr>
-      <p:sp>
-        <p:nvSpPr>
-          <p:cNvPr id="2" name="Slide Image Placeholder 1"/>
-          <p:cNvSpPr>
-            <a:spLocks noGrp="1" noRot="1" noChangeAspect="1"/>
-          </p:cNvSpPr>
-          <p:nvPr>
-            <p:ph type="sldImg"/>
-          </p:nvPr>
-        </p:nvSpPr>
-        <p:spPr/>
-      </p:sp>
-      <p:sp>
-        <p:nvSpPr>
-          <p:cNvPr id="3" name="Notes Placeholder 2"/>
-          <p:cNvSpPr>
-            <a:spLocks noGrp="1"/>
-          </p:cNvSpPr>
-          <p:nvPr>
-            <p:ph type="body" idx="1"/>
-          </p:nvPr>
-        </p:nvSpPr>
-        <p:spPr/>
-        <p:txBody>
-          <a:bodyPr/>
-          <a:lstStyle/>
-          <a:p>
-            <a:endParaRPr lang="en-US"/>
-          </a:p>
-        </p:txBody>
-      </p:sp>
-      <p:sp>
-        <p:nvSpPr>
-          <p:cNvPr id="4" name="Slide Number Placeholder 3"/>
-          <p:cNvSpPr>
-            <a:spLocks noGrp="1"/>
-          </p:cNvSpPr>
-          <p:nvPr>
-            <p:ph type="sldNum" sz="quarter" idx="10"/>
-          </p:nvPr>
-        </p:nvSpPr>
-        <p:spPr/>
-        <p:txBody>
-          <a:bodyPr/>
-          <a:lstStyle/>
-          <a:p>
-            <a:fld id="{87350B06-B074-48FC-8CFD-53D2CD8FB95F}" type="slidenum">
-              <a:rPr lang="en-US" smtClean="0"/>
-              <a:t>11</a:t>
-            </a:fld>
-            <a:endParaRPr lang="en-US"/>
-          </a:p>
-        </p:txBody>
-      </p:sp>
-    </p:spTree>
-    <p:extLst>
-      <p:ext uri="{BB962C8B-B14F-4D97-AF65-F5344CB8AC3E}">
-        <p14:creationId xmlns:p14="http://schemas.microsoft.com/office/powerpoint/2010/main" val="1280886406"/>
-      </p:ext>
-    </p:extLst>
-  </p:cSld>
-  <p:clrMapOvr>
-    <a:masterClrMapping/>
-  </p:clrMapOvr>
-</p:notes>
 </file>
 
 <file path=ppt/slideLayouts/slideLayout1.xml><?xml version="1.0" encoding="utf-8"?>
@@ -4228,7 +4150,7 @@
             <a:r>
               <a:rPr lang="en-US" altLang="zh-TW" sz="3200" dirty="0">
                 <a:solidFill>
-                  <a:srgbClr val="FE9202"/>
+                  <a:srgbClr val="00AACC"/>
                 </a:solidFill>
                 <a:effectLst>
                   <a:outerShdw blurRad="50800" dist="38100" dir="2700000" algn="tl" rotWithShape="0">
@@ -4240,7 +4162,11 @@
               </a:rPr>
               <a:t>Transactions</a:t>
             </a:r>
-            <a:endParaRPr lang="zh-TW" altLang="en-US" dirty="0"/>
+            <a:endParaRPr lang="zh-TW" altLang="en-US" dirty="0">
+              <a:solidFill>
+                <a:srgbClr val="00AACC"/>
+              </a:solidFill>
+            </a:endParaRPr>
           </a:p>
         </p:txBody>
       </p:sp>
@@ -4267,7 +4193,9 @@
           </a:xfrm>
         </p:spPr>
         <p:txBody>
-          <a:bodyPr/>
+          <a:bodyPr>
+            <a:normAutofit lnSpcReduction="10000"/>
+          </a:bodyPr>
           <a:lstStyle/>
           <a:p>
             <a:pPr marL="514350" lvl="0" indent="-514350">
@@ -4431,56 +4359,18 @@
       </p:grpSpPr>
       <p:sp>
         <p:nvSpPr>
-          <p:cNvPr id="2" name="標題 1">
-            <a:extLst>
-              <a:ext uri="{FF2B5EF4-FFF2-40B4-BE49-F238E27FC236}">
-                <a16:creationId xmlns:a16="http://schemas.microsoft.com/office/drawing/2014/main" id="{01487F23-8D60-40C6-9D86-B5B185BDA8CA}"/>
-              </a:ext>
-            </a:extLst>
-          </p:cNvPr>
+          <p:cNvPr id="2" name="標題 1"/>
           <p:cNvSpPr>
             <a:spLocks noGrp="1"/>
           </p:cNvSpPr>
           <p:nvPr>
             <p:ph type="title"/>
-          </p:nvPr>
-        </p:nvSpPr>
-        <p:spPr/>
-        <p:txBody>
-          <a:bodyPr>
-            <a:normAutofit fontScale="90000"/>
-          </a:bodyPr>
-          <a:lstStyle/>
-          <a:p>
-            <a:pPr algn="ctr"/>
-            <a:r>
-              <a:rPr lang="en-US" altLang="zh-TW" dirty="0"/>
-              <a:t>Question</a:t>
-            </a:r>
-            <a:endParaRPr lang="zh-TW" altLang="en-US" dirty="0"/>
-          </a:p>
-        </p:txBody>
-      </p:sp>
-      <p:sp>
-        <p:nvSpPr>
-          <p:cNvPr id="4" name="內容版面配置區 3">
-            <a:extLst>
-              <a:ext uri="{FF2B5EF4-FFF2-40B4-BE49-F238E27FC236}">
-                <a16:creationId xmlns:a16="http://schemas.microsoft.com/office/drawing/2014/main" id="{5BC672C1-64CE-4535-8111-34B300E8CCF2}"/>
-              </a:ext>
-            </a:extLst>
-          </p:cNvPr>
-          <p:cNvSpPr>
-            <a:spLocks noGrp="1"/>
-          </p:cNvSpPr>
-          <p:nvPr>
-            <p:ph idx="1"/>
           </p:nvPr>
         </p:nvSpPr>
         <p:spPr>
           <a:xfrm>
-            <a:off x="448965" y="2113634"/>
-            <a:ext cx="8246070" cy="2901395"/>
+            <a:off x="448965" y="1197405"/>
+            <a:ext cx="8229600" cy="857250"/>
           </a:xfrm>
         </p:spPr>
         <p:txBody>
@@ -4488,54 +4378,100 @@
           <a:lstStyle/>
           <a:p>
             <a:r>
-              <a:rPr lang="en-US" altLang="zh-TW" dirty="0"/>
-              <a:t>A. What is the main feature of the block chain?</a:t>
-            </a:r>
-          </a:p>
+              <a:rPr lang="en-US" altLang="zh-TW" sz="3200" dirty="0" err="1">
+                <a:solidFill>
+                  <a:srgbClr val="00AACC"/>
+                </a:solidFill>
+              </a:rPr>
+              <a:t>Blockchain</a:t>
+            </a:r>
+            <a:r>
+              <a:rPr lang="en-US" altLang="zh-TW" sz="3200" dirty="0">
+                <a:solidFill>
+                  <a:srgbClr val="00AACC"/>
+                </a:solidFill>
+              </a:rPr>
+              <a:t> Security</a:t>
+            </a:r>
+            <a:endParaRPr lang="zh-TW" altLang="en-US" sz="3200" dirty="0">
+              <a:solidFill>
+                <a:srgbClr val="00AACC"/>
+              </a:solidFill>
+            </a:endParaRPr>
+          </a:p>
+        </p:txBody>
+      </p:sp>
+      <p:sp>
+        <p:nvSpPr>
+          <p:cNvPr id="3" name="內容版面配置區 2"/>
+          <p:cNvSpPr>
+            <a:spLocks noGrp="1"/>
+          </p:cNvSpPr>
+          <p:nvPr>
+            <p:ph sz="half" idx="1"/>
+          </p:nvPr>
+        </p:nvSpPr>
+        <p:spPr>
+          <a:xfrm>
+            <a:off x="296260" y="1960930"/>
+            <a:ext cx="5344676" cy="2901395"/>
+          </a:xfrm>
+        </p:spPr>
+        <p:txBody>
+          <a:bodyPr/>
+          <a:lstStyle/>
           <a:p>
             <a:r>
               <a:rPr lang="en-US" altLang="zh-TW" dirty="0">
                 <a:solidFill>
-                  <a:srgbClr val="FF0000"/>
+                  <a:srgbClr val="CCCC00"/>
                 </a:solidFill>
               </a:rPr>
-              <a:t>Decentralization</a:t>
-            </a:r>
-          </a:p>
-          <a:p>
-            <a:r>
-              <a:rPr lang="en-US" altLang="zh-TW" dirty="0"/>
-              <a:t>B. Block Chain is a single innovation technology (T/F)</a:t>
+              <a:t>Hash uniqueness</a:t>
             </a:r>
           </a:p>
           <a:p>
             <a:r>
               <a:rPr lang="en-US" altLang="zh-TW" dirty="0">
                 <a:solidFill>
-                  <a:srgbClr val="FF0000"/>
+                  <a:srgbClr val="CCCC00"/>
                 </a:solidFill>
               </a:rPr>
-              <a:t>F</a:t>
-            </a:r>
-          </a:p>
-          <a:p>
-            <a:r>
-              <a:rPr lang="en-US" altLang="zh-TW" dirty="0"/>
-              <a:t>C. What is the virtual currency apply on block chain?</a:t>
+              <a:t>Cryptographic security</a:t>
             </a:r>
           </a:p>
           <a:p>
             <a:r>
               <a:rPr lang="en-US" altLang="zh-TW" dirty="0">
                 <a:solidFill>
-                  <a:srgbClr val="FF0000"/>
+                  <a:srgbClr val="CCCC00"/>
                 </a:solidFill>
               </a:rPr>
-              <a:t>Bitcoin</a:t>
+              <a:t>Authentication</a:t>
+            </a:r>
+          </a:p>
+          <a:p>
+            <a:r>
+              <a:rPr lang="en-US" altLang="zh-TW" dirty="0">
+                <a:solidFill>
+                  <a:srgbClr val="CCCC00"/>
+                </a:solidFill>
+              </a:rPr>
+              <a:t>Decentralized distributed design</a:t>
+            </a:r>
+          </a:p>
+          <a:p>
+            <a:r>
+              <a:rPr lang="en-US" altLang="zh-TW" dirty="0">
+                <a:solidFill>
+                  <a:srgbClr val="CCCC00"/>
+                </a:solidFill>
+              </a:rPr>
+              <a:t>Transmission security</a:t>
             </a:r>
             <a:endParaRPr lang="zh-TW" altLang="en-US" dirty="0">
               <a:solidFill>
-                <a:srgbClr val="FF0000"/>
+                <a:srgbClr val="CCCC00"/>
               </a:solidFill>
             </a:endParaRPr>
           </a:p>
@@ -4544,25 +4480,836 @@
     </p:spTree>
     <p:extLst>
       <p:ext uri="{BB962C8B-B14F-4D97-AF65-F5344CB8AC3E}">
-        <p14:creationId xmlns:p14="http://schemas.microsoft.com/office/powerpoint/2010/main" val="109100692"/>
+        <p14:creationId xmlns:p14="http://schemas.microsoft.com/office/powerpoint/2010/main" val="3365403424"/>
       </p:ext>
     </p:extLst>
   </p:cSld>
   <p:clrMapOvr>
     <a:masterClrMapping/>
   </p:clrMapOvr>
-  <mc:AlternateContent xmlns:mc="http://schemas.openxmlformats.org/markup-compatibility/2006" xmlns:p14="http://schemas.microsoft.com/office/powerpoint/2010/main">
-    <mc:Choice Requires="p14">
-      <p:transition spd="slow" p14:dur="1200">
-        <p14:prism/>
-      </p:transition>
-    </mc:Choice>
-    <mc:Fallback xmlns="">
-      <p:transition spd="slow">
-        <p:fade/>
-      </p:transition>
-    </mc:Fallback>
-  </mc:AlternateContent>
+  <p:transition spd="med">
+    <p:pull/>
+  </p:transition>
+</p:sld>
+</file>
+
+<file path=ppt/slides/slide12.xml><?xml version="1.0" encoding="utf-8"?>
+<p:sld xmlns:a="http://schemas.openxmlformats.org/drawingml/2006/main" xmlns:r="http://schemas.openxmlformats.org/officeDocument/2006/relationships" xmlns:p="http://schemas.openxmlformats.org/presentationml/2006/main">
+  <p:cSld>
+    <p:spTree>
+      <p:nvGrpSpPr>
+        <p:cNvPr id="1" name=""/>
+        <p:cNvGrpSpPr/>
+        <p:nvPr/>
+      </p:nvGrpSpPr>
+      <p:grpSpPr>
+        <a:xfrm>
+          <a:off x="0" y="0"/>
+          <a:ext cx="0" cy="0"/>
+          <a:chOff x="0" y="0"/>
+          <a:chExt cx="0" cy="0"/>
+        </a:xfrm>
+      </p:grpSpPr>
+      <p:sp>
+        <p:nvSpPr>
+          <p:cNvPr id="2" name="標題 1"/>
+          <p:cNvSpPr>
+            <a:spLocks noGrp="1"/>
+          </p:cNvSpPr>
+          <p:nvPr>
+            <p:ph type="title"/>
+          </p:nvPr>
+        </p:nvSpPr>
+        <p:spPr>
+          <a:xfrm>
+            <a:off x="448965" y="1502815"/>
+            <a:ext cx="8229600" cy="857250"/>
+          </a:xfrm>
+        </p:spPr>
+        <p:txBody>
+          <a:bodyPr>
+            <a:normAutofit/>
+          </a:bodyPr>
+          <a:lstStyle/>
+          <a:p>
+            <a:r>
+              <a:rPr lang="en-US" altLang="zh-TW" sz="3200" dirty="0">
+                <a:solidFill>
+                  <a:srgbClr val="FE9202"/>
+                </a:solidFill>
+              </a:rPr>
+              <a:t>Hash uniqueness</a:t>
+            </a:r>
+            <a:endParaRPr lang="zh-TW" altLang="en-US" sz="3200" dirty="0">
+              <a:solidFill>
+                <a:srgbClr val="FE9202"/>
+              </a:solidFill>
+            </a:endParaRPr>
+          </a:p>
+        </p:txBody>
+      </p:sp>
+      <p:sp>
+        <p:nvSpPr>
+          <p:cNvPr id="3" name="內容版面配置區 2"/>
+          <p:cNvSpPr>
+            <a:spLocks noGrp="1"/>
+          </p:cNvSpPr>
+          <p:nvPr>
+            <p:ph sz="half" idx="1"/>
+          </p:nvPr>
+        </p:nvSpPr>
+        <p:spPr>
+          <a:xfrm>
+            <a:off x="448966" y="2419045"/>
+            <a:ext cx="5497379" cy="2595985"/>
+          </a:xfrm>
+        </p:spPr>
+        <p:txBody>
+          <a:bodyPr/>
+          <a:lstStyle/>
+          <a:p>
+            <a:pPr algn="just"/>
+            <a:r>
+              <a:rPr lang="en-US" altLang="zh-TW" dirty="0">
+                <a:solidFill>
+                  <a:srgbClr val="CCCC00"/>
+                </a:solidFill>
+              </a:rPr>
+              <a:t>Each block and hash is a one-to-one correspondence</a:t>
+            </a:r>
+          </a:p>
+          <a:p>
+            <a:pPr algn="just"/>
+            <a:r>
+              <a:rPr lang="en-US" altLang="zh-TW" dirty="0">
+                <a:solidFill>
+                  <a:srgbClr val="CCCC00"/>
+                </a:solidFill>
+              </a:rPr>
+              <a:t>Each hash is calculated from the block header by SHA256</a:t>
+            </a:r>
+          </a:p>
+          <a:p>
+            <a:pPr algn="just"/>
+            <a:endParaRPr lang="en-US" altLang="zh-TW" dirty="0">
+              <a:solidFill>
+                <a:srgbClr val="CCCC00"/>
+              </a:solidFill>
+            </a:endParaRPr>
+          </a:p>
+        </p:txBody>
+      </p:sp>
+    </p:spTree>
+    <p:extLst>
+      <p:ext uri="{BB962C8B-B14F-4D97-AF65-F5344CB8AC3E}">
+        <p14:creationId xmlns:p14="http://schemas.microsoft.com/office/powerpoint/2010/main" val="2354885206"/>
+      </p:ext>
+    </p:extLst>
+  </p:cSld>
+  <p:clrMapOvr>
+    <a:masterClrMapping/>
+  </p:clrMapOvr>
+  <p:transition spd="med">
+    <p:pull/>
+  </p:transition>
+</p:sld>
+</file>
+
+<file path=ppt/slides/slide13.xml><?xml version="1.0" encoding="utf-8"?>
+<p:sld xmlns:a="http://schemas.openxmlformats.org/drawingml/2006/main" xmlns:r="http://schemas.openxmlformats.org/officeDocument/2006/relationships" xmlns:p="http://schemas.openxmlformats.org/presentationml/2006/main">
+  <p:cSld>
+    <p:spTree>
+      <p:nvGrpSpPr>
+        <p:cNvPr id="1" name=""/>
+        <p:cNvGrpSpPr/>
+        <p:nvPr/>
+      </p:nvGrpSpPr>
+      <p:grpSpPr>
+        <a:xfrm>
+          <a:off x="0" y="0"/>
+          <a:ext cx="0" cy="0"/>
+          <a:chOff x="0" y="0"/>
+          <a:chExt cx="0" cy="0"/>
+        </a:xfrm>
+      </p:grpSpPr>
+      <p:sp>
+        <p:nvSpPr>
+          <p:cNvPr id="2" name="標題 1"/>
+          <p:cNvSpPr>
+            <a:spLocks noGrp="1"/>
+          </p:cNvSpPr>
+          <p:nvPr>
+            <p:ph type="title"/>
+          </p:nvPr>
+        </p:nvSpPr>
+        <p:spPr>
+          <a:xfrm>
+            <a:off x="448965" y="1502815"/>
+            <a:ext cx="8229600" cy="857250"/>
+          </a:xfrm>
+        </p:spPr>
+        <p:txBody>
+          <a:bodyPr>
+            <a:normAutofit/>
+          </a:bodyPr>
+          <a:lstStyle/>
+          <a:p>
+            <a:r>
+              <a:rPr lang="en-US" altLang="zh-TW" sz="3200" dirty="0">
+                <a:solidFill>
+                  <a:srgbClr val="FE9202"/>
+                </a:solidFill>
+              </a:rPr>
+              <a:t>Cryptographic Security</a:t>
+            </a:r>
+            <a:endParaRPr lang="zh-TW" altLang="en-US" sz="3200" dirty="0">
+              <a:solidFill>
+                <a:srgbClr val="FE9202"/>
+              </a:solidFill>
+            </a:endParaRPr>
+          </a:p>
+        </p:txBody>
+      </p:sp>
+      <p:sp>
+        <p:nvSpPr>
+          <p:cNvPr id="3" name="內容版面配置區 2"/>
+          <p:cNvSpPr>
+            <a:spLocks noGrp="1"/>
+          </p:cNvSpPr>
+          <p:nvPr>
+            <p:ph sz="half" idx="1"/>
+          </p:nvPr>
+        </p:nvSpPr>
+        <p:spPr>
+          <a:xfrm>
+            <a:off x="448965" y="2419045"/>
+            <a:ext cx="8246070" cy="2595985"/>
+          </a:xfrm>
+        </p:spPr>
+        <p:txBody>
+          <a:bodyPr/>
+          <a:lstStyle/>
+          <a:p>
+            <a:pPr marL="0" indent="0">
+              <a:buNone/>
+            </a:pPr>
+            <a:r>
+              <a:rPr lang="en-US" altLang="zh-TW" dirty="0">
+                <a:solidFill>
+                  <a:srgbClr val="CCCC00"/>
+                </a:solidFill>
+              </a:rPr>
+              <a:t>All data storage and records have digital signatures as credentials, asymmetric encryption guarantees the reliability of payments</a:t>
+            </a:r>
+            <a:endParaRPr lang="zh-TW" altLang="en-US" dirty="0">
+              <a:solidFill>
+                <a:srgbClr val="CCCC00"/>
+              </a:solidFill>
+            </a:endParaRPr>
+          </a:p>
+        </p:txBody>
+      </p:sp>
+    </p:spTree>
+    <p:extLst>
+      <p:ext uri="{BB962C8B-B14F-4D97-AF65-F5344CB8AC3E}">
+        <p14:creationId xmlns:p14="http://schemas.microsoft.com/office/powerpoint/2010/main" val="2285500861"/>
+      </p:ext>
+    </p:extLst>
+  </p:cSld>
+  <p:clrMapOvr>
+    <a:masterClrMapping/>
+  </p:clrMapOvr>
+  <p:transition spd="med">
+    <p:pull/>
+  </p:transition>
+</p:sld>
+</file>
+
+<file path=ppt/slides/slide14.xml><?xml version="1.0" encoding="utf-8"?>
+<p:sld xmlns:a="http://schemas.openxmlformats.org/drawingml/2006/main" xmlns:r="http://schemas.openxmlformats.org/officeDocument/2006/relationships" xmlns:p="http://schemas.openxmlformats.org/presentationml/2006/main">
+  <p:cSld>
+    <p:spTree>
+      <p:nvGrpSpPr>
+        <p:cNvPr id="1" name=""/>
+        <p:cNvGrpSpPr/>
+        <p:nvPr/>
+      </p:nvGrpSpPr>
+      <p:grpSpPr>
+        <a:xfrm>
+          <a:off x="0" y="0"/>
+          <a:ext cx="0" cy="0"/>
+          <a:chOff x="0" y="0"/>
+          <a:chExt cx="0" cy="0"/>
+        </a:xfrm>
+      </p:grpSpPr>
+      <p:sp>
+        <p:nvSpPr>
+          <p:cNvPr id="2" name="標題 1"/>
+          <p:cNvSpPr>
+            <a:spLocks noGrp="1"/>
+          </p:cNvSpPr>
+          <p:nvPr>
+            <p:ph type="title"/>
+          </p:nvPr>
+        </p:nvSpPr>
+        <p:spPr>
+          <a:xfrm>
+            <a:off x="448965" y="1502815"/>
+            <a:ext cx="8229600" cy="857250"/>
+          </a:xfrm>
+        </p:spPr>
+        <p:txBody>
+          <a:bodyPr>
+            <a:normAutofit/>
+          </a:bodyPr>
+          <a:lstStyle/>
+          <a:p>
+            <a:r>
+              <a:rPr lang="en-US" altLang="zh-TW" sz="3200" dirty="0">
+                <a:solidFill>
+                  <a:srgbClr val="FE9202"/>
+                </a:solidFill>
+              </a:rPr>
+              <a:t>Authentication</a:t>
+            </a:r>
+            <a:endParaRPr lang="zh-TW" altLang="en-US" sz="3200" dirty="0">
+              <a:solidFill>
+                <a:srgbClr val="FE9202"/>
+              </a:solidFill>
+            </a:endParaRPr>
+          </a:p>
+        </p:txBody>
+      </p:sp>
+      <p:sp>
+        <p:nvSpPr>
+          <p:cNvPr id="3" name="內容版面配置區 2"/>
+          <p:cNvSpPr>
+            <a:spLocks noGrp="1"/>
+          </p:cNvSpPr>
+          <p:nvPr>
+            <p:ph sz="half" idx="1"/>
+          </p:nvPr>
+        </p:nvSpPr>
+        <p:spPr>
+          <a:xfrm>
+            <a:off x="143555" y="2419045"/>
+            <a:ext cx="8856890" cy="2443280"/>
+          </a:xfrm>
+        </p:spPr>
+        <p:txBody>
+          <a:bodyPr numCol="1">
+            <a:normAutofit fontScale="85000" lnSpcReduction="20000"/>
+          </a:bodyPr>
+          <a:lstStyle/>
+          <a:p>
+            <a:pPr marL="0" indent="0">
+              <a:buNone/>
+            </a:pPr>
+            <a:r>
+              <a:rPr lang="en-US" altLang="zh-TW" sz="3100" dirty="0">
+                <a:solidFill>
+                  <a:srgbClr val="CCCC00"/>
+                </a:solidFill>
+              </a:rPr>
+              <a:t>All data transfer will be verified</a:t>
+            </a:r>
+          </a:p>
+          <a:p>
+            <a:r>
+              <a:rPr lang="en-US" altLang="zh-TW" dirty="0">
+                <a:solidFill>
+                  <a:srgbClr val="CCCC00"/>
+                </a:solidFill>
+              </a:rPr>
+              <a:t>Find the last transaction to confirm the currency source</a:t>
+            </a:r>
+          </a:p>
+          <a:p>
+            <a:r>
+              <a:rPr lang="en-US" altLang="zh-TW" dirty="0">
+                <a:solidFill>
+                  <a:srgbClr val="CCCC00"/>
+                </a:solidFill>
+              </a:rPr>
+              <a:t>Calculate the fingerprint of the other party's public key and compare it with its address to ensure the authenticity of the public key</a:t>
+            </a:r>
+          </a:p>
+          <a:p>
+            <a:r>
+              <a:rPr lang="en-US" altLang="zh-TW" dirty="0">
+                <a:solidFill>
+                  <a:srgbClr val="CCCC00"/>
+                </a:solidFill>
+              </a:rPr>
+              <a:t>Unwrap digital signature using public key to ensure authenticity of private key</a:t>
+            </a:r>
+            <a:endParaRPr lang="zh-TW" altLang="en-US" dirty="0">
+              <a:solidFill>
+                <a:srgbClr val="CCCC00"/>
+              </a:solidFill>
+            </a:endParaRPr>
+          </a:p>
+        </p:txBody>
+      </p:sp>
+    </p:spTree>
+    <p:extLst>
+      <p:ext uri="{BB962C8B-B14F-4D97-AF65-F5344CB8AC3E}">
+        <p14:creationId xmlns:p14="http://schemas.microsoft.com/office/powerpoint/2010/main" val="1875943863"/>
+      </p:ext>
+    </p:extLst>
+  </p:cSld>
+  <p:clrMapOvr>
+    <a:masterClrMapping/>
+  </p:clrMapOvr>
+  <p:transition spd="med">
+    <p:pull/>
+  </p:transition>
+</p:sld>
+</file>
+
+<file path=ppt/slides/slide15.xml><?xml version="1.0" encoding="utf-8"?>
+<p:sld xmlns:a="http://schemas.openxmlformats.org/drawingml/2006/main" xmlns:r="http://schemas.openxmlformats.org/officeDocument/2006/relationships" xmlns:p="http://schemas.openxmlformats.org/presentationml/2006/main">
+  <p:cSld>
+    <p:spTree>
+      <p:nvGrpSpPr>
+        <p:cNvPr id="1" name=""/>
+        <p:cNvGrpSpPr/>
+        <p:nvPr/>
+      </p:nvGrpSpPr>
+      <p:grpSpPr>
+        <a:xfrm>
+          <a:off x="0" y="0"/>
+          <a:ext cx="0" cy="0"/>
+          <a:chOff x="0" y="0"/>
+          <a:chExt cx="0" cy="0"/>
+        </a:xfrm>
+      </p:grpSpPr>
+      <p:sp>
+        <p:nvSpPr>
+          <p:cNvPr id="2" name="標題 1"/>
+          <p:cNvSpPr>
+            <a:spLocks noGrp="1"/>
+          </p:cNvSpPr>
+          <p:nvPr>
+            <p:ph type="title"/>
+          </p:nvPr>
+        </p:nvSpPr>
+        <p:spPr>
+          <a:xfrm>
+            <a:off x="448965" y="1502815"/>
+            <a:ext cx="8229600" cy="857250"/>
+          </a:xfrm>
+        </p:spPr>
+        <p:txBody>
+          <a:bodyPr>
+            <a:normAutofit/>
+          </a:bodyPr>
+          <a:lstStyle/>
+          <a:p>
+            <a:r>
+              <a:rPr lang="en-US" altLang="zh-TW" sz="3200" dirty="0">
+                <a:solidFill>
+                  <a:srgbClr val="FE9202"/>
+                </a:solidFill>
+              </a:rPr>
+              <a:t>Decentralized distributed design</a:t>
+            </a:r>
+            <a:endParaRPr lang="zh-TW" altLang="en-US" sz="3200" dirty="0">
+              <a:solidFill>
+                <a:srgbClr val="FE9202"/>
+              </a:solidFill>
+            </a:endParaRPr>
+          </a:p>
+        </p:txBody>
+      </p:sp>
+      <p:sp>
+        <p:nvSpPr>
+          <p:cNvPr id="3" name="內容版面配置區 2"/>
+          <p:cNvSpPr>
+            <a:spLocks noGrp="1"/>
+          </p:cNvSpPr>
+          <p:nvPr>
+            <p:ph sz="half" idx="1"/>
+          </p:nvPr>
+        </p:nvSpPr>
+        <p:spPr>
+          <a:xfrm>
+            <a:off x="448965" y="2419045"/>
+            <a:ext cx="8246070" cy="2443280"/>
+          </a:xfrm>
+        </p:spPr>
+        <p:txBody>
+          <a:bodyPr/>
+          <a:lstStyle/>
+          <a:p>
+            <a:pPr marL="0" indent="0">
+              <a:buNone/>
+            </a:pPr>
+            <a:endParaRPr lang="zh-TW" altLang="en-US" dirty="0">
+              <a:solidFill>
+                <a:srgbClr val="CCCC00"/>
+              </a:solidFill>
+            </a:endParaRPr>
+          </a:p>
+        </p:txBody>
+      </p:sp>
+    </p:spTree>
+    <p:extLst>
+      <p:ext uri="{BB962C8B-B14F-4D97-AF65-F5344CB8AC3E}">
+        <p14:creationId xmlns:p14="http://schemas.microsoft.com/office/powerpoint/2010/main" val="276239993"/>
+      </p:ext>
+    </p:extLst>
+  </p:cSld>
+  <p:clrMapOvr>
+    <a:masterClrMapping/>
+  </p:clrMapOvr>
+  <p:transition spd="med">
+    <p:pull/>
+  </p:transition>
+</p:sld>
+</file>
+
+<file path=ppt/slides/slide16.xml><?xml version="1.0" encoding="utf-8"?>
+<p:sld xmlns:a="http://schemas.openxmlformats.org/drawingml/2006/main" xmlns:r="http://schemas.openxmlformats.org/officeDocument/2006/relationships" xmlns:p="http://schemas.openxmlformats.org/presentationml/2006/main">
+  <p:cSld>
+    <p:spTree>
+      <p:nvGrpSpPr>
+        <p:cNvPr id="1" name=""/>
+        <p:cNvGrpSpPr/>
+        <p:nvPr/>
+      </p:nvGrpSpPr>
+      <p:grpSpPr>
+        <a:xfrm>
+          <a:off x="0" y="0"/>
+          <a:ext cx="0" cy="0"/>
+          <a:chOff x="0" y="0"/>
+          <a:chExt cx="0" cy="0"/>
+        </a:xfrm>
+      </p:grpSpPr>
+      <p:sp>
+        <p:nvSpPr>
+          <p:cNvPr id="2" name="標題 1"/>
+          <p:cNvSpPr>
+            <a:spLocks noGrp="1"/>
+          </p:cNvSpPr>
+          <p:nvPr>
+            <p:ph type="title"/>
+          </p:nvPr>
+        </p:nvSpPr>
+        <p:spPr>
+          <a:xfrm>
+            <a:off x="448965" y="1502815"/>
+            <a:ext cx="8229600" cy="857250"/>
+          </a:xfrm>
+        </p:spPr>
+        <p:txBody>
+          <a:bodyPr>
+            <a:normAutofit/>
+          </a:bodyPr>
+          <a:lstStyle/>
+          <a:p>
+            <a:r>
+              <a:rPr lang="en-US" altLang="zh-TW" sz="3200" dirty="0">
+                <a:solidFill>
+                  <a:srgbClr val="FE9202"/>
+                </a:solidFill>
+              </a:rPr>
+              <a:t>Transmission security</a:t>
+            </a:r>
+            <a:endParaRPr lang="zh-TW" altLang="en-US" sz="3200" dirty="0">
+              <a:solidFill>
+                <a:srgbClr val="FE9202"/>
+              </a:solidFill>
+            </a:endParaRPr>
+          </a:p>
+        </p:txBody>
+      </p:sp>
+      <p:sp>
+        <p:nvSpPr>
+          <p:cNvPr id="3" name="內容版面配置區 2"/>
+          <p:cNvSpPr>
+            <a:spLocks noGrp="1"/>
+          </p:cNvSpPr>
+          <p:nvPr>
+            <p:ph sz="half" idx="1"/>
+          </p:nvPr>
+        </p:nvSpPr>
+        <p:spPr>
+          <a:xfrm>
+            <a:off x="907080" y="2419045"/>
+            <a:ext cx="7787955" cy="2443280"/>
+          </a:xfrm>
+        </p:spPr>
+        <p:txBody>
+          <a:bodyPr/>
+          <a:lstStyle/>
+          <a:p>
+            <a:pPr marL="0" indent="0">
+              <a:buNone/>
+            </a:pPr>
+            <a:r>
+              <a:rPr lang="en-US" altLang="zh-TW" dirty="0">
+                <a:solidFill>
+                  <a:srgbClr val="CCCC00"/>
+                </a:solidFill>
+              </a:rPr>
+              <a:t>In the process of transmission, data is processed using HTTP+SSL to ensure that data is protected from tampering and encryption during network transmission.</a:t>
+            </a:r>
+            <a:endParaRPr lang="zh-TW" altLang="en-US" dirty="0">
+              <a:solidFill>
+                <a:srgbClr val="CCCC00"/>
+              </a:solidFill>
+            </a:endParaRPr>
+          </a:p>
+          <a:p>
+            <a:endParaRPr lang="zh-TW" altLang="en-US" dirty="0">
+              <a:solidFill>
+                <a:srgbClr val="CCCC00"/>
+              </a:solidFill>
+            </a:endParaRPr>
+          </a:p>
+        </p:txBody>
+      </p:sp>
+    </p:spTree>
+    <p:extLst>
+      <p:ext uri="{BB962C8B-B14F-4D97-AF65-F5344CB8AC3E}">
+        <p14:creationId xmlns:p14="http://schemas.microsoft.com/office/powerpoint/2010/main" val="2254291839"/>
+      </p:ext>
+    </p:extLst>
+  </p:cSld>
+  <p:clrMapOvr>
+    <a:masterClrMapping/>
+  </p:clrMapOvr>
+  <p:transition spd="med">
+    <p:pull/>
+  </p:transition>
+</p:sld>
+</file>
+
+<file path=ppt/slides/slide17.xml><?xml version="1.0" encoding="utf-8"?>
+<p:sld xmlns:a="http://schemas.openxmlformats.org/drawingml/2006/main" xmlns:r="http://schemas.openxmlformats.org/officeDocument/2006/relationships" xmlns:p="http://schemas.openxmlformats.org/presentationml/2006/main">
+  <p:cSld>
+    <p:spTree>
+      <p:nvGrpSpPr>
+        <p:cNvPr id="1" name=""/>
+        <p:cNvGrpSpPr/>
+        <p:nvPr/>
+      </p:nvGrpSpPr>
+      <p:grpSpPr>
+        <a:xfrm>
+          <a:off x="0" y="0"/>
+          <a:ext cx="0" cy="0"/>
+          <a:chOff x="0" y="0"/>
+          <a:chExt cx="0" cy="0"/>
+        </a:xfrm>
+      </p:grpSpPr>
+      <p:sp>
+        <p:nvSpPr>
+          <p:cNvPr id="2" name="標題 1">
+            <a:extLst>
+              <a:ext uri="{FF2B5EF4-FFF2-40B4-BE49-F238E27FC236}">
+                <a16:creationId xmlns:a16="http://schemas.microsoft.com/office/drawing/2014/main" id="{E4C3AC08-9514-460F-9817-C0E781ED82D5}"/>
+              </a:ext>
+            </a:extLst>
+          </p:cNvPr>
+          <p:cNvSpPr>
+            <a:spLocks noGrp="1"/>
+          </p:cNvSpPr>
+          <p:nvPr>
+            <p:ph type="title"/>
+          </p:nvPr>
+        </p:nvSpPr>
+        <p:spPr>
+          <a:xfrm>
+            <a:off x="448965" y="1502815"/>
+            <a:ext cx="8246070" cy="610820"/>
+          </a:xfrm>
+        </p:spPr>
+        <p:txBody>
+          <a:bodyPr>
+            <a:normAutofit fontScale="90000"/>
+          </a:bodyPr>
+          <a:lstStyle/>
+          <a:p>
+            <a:pPr algn="ctr"/>
+            <a:r>
+              <a:rPr lang="en-US" altLang="zh-TW" dirty="0">
+                <a:solidFill>
+                  <a:srgbClr val="00AACC"/>
+                </a:solidFill>
+              </a:rPr>
+              <a:t>Question</a:t>
+            </a:r>
+            <a:endParaRPr lang="zh-TW" altLang="en-US" dirty="0">
+              <a:solidFill>
+                <a:srgbClr val="00AACC"/>
+              </a:solidFill>
+            </a:endParaRPr>
+          </a:p>
+        </p:txBody>
+      </p:sp>
+      <p:sp>
+        <p:nvSpPr>
+          <p:cNvPr id="3" name="內容版面配置區 2">
+            <a:extLst>
+              <a:ext uri="{FF2B5EF4-FFF2-40B4-BE49-F238E27FC236}">
+                <a16:creationId xmlns:a16="http://schemas.microsoft.com/office/drawing/2014/main" id="{DDA1A3CC-5A21-4A97-BD8F-2F0BB958EC91}"/>
+              </a:ext>
+            </a:extLst>
+          </p:cNvPr>
+          <p:cNvSpPr>
+            <a:spLocks noGrp="1"/>
+          </p:cNvSpPr>
+          <p:nvPr>
+            <p:ph idx="1"/>
+          </p:nvPr>
+        </p:nvSpPr>
+        <p:spPr>
+          <a:xfrm>
+            <a:off x="448965" y="2141872"/>
+            <a:ext cx="8246070" cy="2877160"/>
+          </a:xfrm>
+        </p:spPr>
+        <p:txBody>
+          <a:bodyPr/>
+          <a:lstStyle/>
+          <a:p>
+            <a:r>
+              <a:rPr lang="en-US" altLang="zh-TW" dirty="0"/>
+              <a:t>A. What is the main feature of the block chain?</a:t>
+            </a:r>
+          </a:p>
+          <a:p>
+            <a:r>
+              <a:rPr lang="en-US" altLang="zh-TW" dirty="0">
+                <a:solidFill>
+                  <a:srgbClr val="FF0000"/>
+                </a:solidFill>
+              </a:rPr>
+              <a:t>Decentralization</a:t>
+            </a:r>
+            <a:endParaRPr lang="en-US" altLang="zh-TW" dirty="0"/>
+          </a:p>
+          <a:p>
+            <a:r>
+              <a:rPr lang="en-US" altLang="zh-TW" dirty="0"/>
+              <a:t>B. Block Chain is a single innovation technology (T/F)</a:t>
+            </a:r>
+          </a:p>
+          <a:p>
+            <a:r>
+              <a:rPr lang="en-US" altLang="zh-TW" dirty="0">
+                <a:solidFill>
+                  <a:srgbClr val="FF0000"/>
+                </a:solidFill>
+              </a:rPr>
+              <a:t>F</a:t>
+            </a:r>
+            <a:endParaRPr lang="en-US" altLang="zh-TW" dirty="0"/>
+          </a:p>
+          <a:p>
+            <a:r>
+              <a:rPr lang="en-US" altLang="zh-TW" dirty="0"/>
+              <a:t>C. What is the virtual currency apply on block chain?</a:t>
+            </a:r>
+          </a:p>
+          <a:p>
+            <a:r>
+              <a:rPr lang="en-US" altLang="zh-TW" dirty="0">
+                <a:solidFill>
+                  <a:srgbClr val="FF0000"/>
+                </a:solidFill>
+              </a:rPr>
+              <a:t>Bitcoin</a:t>
+            </a:r>
+            <a:endParaRPr lang="en-US" altLang="zh-TW" dirty="0"/>
+          </a:p>
+          <a:p>
+            <a:endParaRPr lang="zh-TW" altLang="en-US" dirty="0"/>
+          </a:p>
+        </p:txBody>
+      </p:sp>
+      <p:sp>
+        <p:nvSpPr>
+          <p:cNvPr id="5" name="標題 1">
+            <a:extLst>
+              <a:ext uri="{FF2B5EF4-FFF2-40B4-BE49-F238E27FC236}">
+                <a16:creationId xmlns:a16="http://schemas.microsoft.com/office/drawing/2014/main" id="{3CFD9624-0A75-44BF-80FE-FDC1ADD405AC}"/>
+              </a:ext>
+            </a:extLst>
+          </p:cNvPr>
+          <p:cNvSpPr txBox="1">
+            <a:spLocks/>
+          </p:cNvSpPr>
+          <p:nvPr/>
+        </p:nvSpPr>
+        <p:spPr>
+          <a:xfrm>
+            <a:off x="448965" y="1531052"/>
+            <a:ext cx="8246070" cy="610820"/>
+          </a:xfrm>
+          <a:prstGeom prst="rect">
+            <a:avLst/>
+          </a:prstGeom>
+        </p:spPr>
+        <p:txBody>
+          <a:bodyPr vert="horz" lIns="91440" tIns="45720" rIns="91440" bIns="45720" rtlCol="0" anchor="ctr">
+            <a:normAutofit fontScale="97500" lnSpcReduction="10000"/>
+          </a:bodyPr>
+          <a:lstStyle>
+            <a:lvl1pPr algn="l" defTabSz="914400" rtl="0" eaLnBrk="1" latinLnBrk="0" hangingPunct="1">
+              <a:spcBef>
+                <a:spcPct val="0"/>
+              </a:spcBef>
+              <a:buNone/>
+              <a:defRPr sz="3600" kern="1200" baseline="0">
+                <a:solidFill>
+                  <a:srgbClr val="FE9202"/>
+                </a:solidFill>
+                <a:effectLst>
+                  <a:outerShdw blurRad="50800" dist="38100" dir="2700000" algn="tl" rotWithShape="0">
+                    <a:prstClr val="black">
+                      <a:alpha val="40000"/>
+                    </a:prstClr>
+                  </a:outerShdw>
+                </a:effectLst>
+                <a:latin typeface="+mj-lt"/>
+                <a:ea typeface="+mj-ea"/>
+                <a:cs typeface="+mj-cs"/>
+              </a:defRPr>
+            </a:lvl1pPr>
+          </a:lstStyle>
+          <a:p>
+            <a:pPr algn="ctr"/>
+            <a:r>
+              <a:rPr lang="en-US" altLang="zh-TW" dirty="0">
+                <a:solidFill>
+                  <a:srgbClr val="00AACC"/>
+                </a:solidFill>
+              </a:rPr>
+              <a:t>Answer</a:t>
+            </a:r>
+            <a:endParaRPr lang="zh-TW" altLang="en-US" dirty="0">
+              <a:solidFill>
+                <a:srgbClr val="00AACC"/>
+              </a:solidFill>
+            </a:endParaRPr>
+          </a:p>
+        </p:txBody>
+      </p:sp>
+    </p:spTree>
+    <p:extLst>
+      <p:ext uri="{BB962C8B-B14F-4D97-AF65-F5344CB8AC3E}">
+        <p14:creationId xmlns:p14="http://schemas.microsoft.com/office/powerpoint/2010/main" val="736296731"/>
+      </p:ext>
+    </p:extLst>
+  </p:cSld>
+  <p:clrMapOvr>
+    <a:masterClrMapping/>
+  </p:clrMapOvr>
+  <p:transition spd="med">
+    <p:pull/>
+  </p:transition>
   <p:timing>
     <p:tnLst>
       <p:par>
@@ -4584,7 +5331,7 @@
                             </p:stCondLst>
                             <p:childTnLst>
                               <p:par>
-                                <p:cTn id="5" presetID="1" presetClass="entr" presetSubtype="0" fill="hold" nodeType="clickEffect">
+                                <p:cTn id="5" presetID="10" presetClass="entr" presetSubtype="0" fill="hold" nodeType="clickEffect">
                                   <p:stCondLst>
                                     <p:cond delay="0"/>
                                   </p:stCondLst>
@@ -4597,7 +5344,357 @@
                                           </p:stCondLst>
                                         </p:cTn>
                                         <p:tgtEl>
-                                          <p:spTgt spid="4">
+                                          <p:spTgt spid="3">
+                                            <p:txEl>
+                                              <p:pRg st="0" end="0"/>
+                                            </p:txEl>
+                                          </p:spTgt>
+                                        </p:tgtEl>
+                                        <p:attrNameLst>
+                                          <p:attrName>style.visibility</p:attrName>
+                                        </p:attrNameLst>
+                                      </p:cBhvr>
+                                      <p:to>
+                                        <p:strVal val="visible"/>
+                                      </p:to>
+                                    </p:set>
+                                    <p:animEffect transition="in" filter="fade">
+                                      <p:cBhvr>
+                                        <p:cTn id="7" dur="500"/>
+                                        <p:tgtEl>
+                                          <p:spTgt spid="3">
+                                            <p:txEl>
+                                              <p:pRg st="0" end="0"/>
+                                            </p:txEl>
+                                          </p:spTgt>
+                                        </p:tgtEl>
+                                      </p:cBhvr>
+                                    </p:animEffect>
+                                  </p:childTnLst>
+                                </p:cTn>
+                              </p:par>
+                            </p:childTnLst>
+                          </p:cTn>
+                        </p:par>
+                      </p:childTnLst>
+                    </p:cTn>
+                  </p:par>
+                  <p:par>
+                    <p:cTn id="8" fill="hold">
+                      <p:stCondLst>
+                        <p:cond delay="indefinite"/>
+                      </p:stCondLst>
+                      <p:childTnLst>
+                        <p:par>
+                          <p:cTn id="9" fill="hold">
+                            <p:stCondLst>
+                              <p:cond delay="0"/>
+                            </p:stCondLst>
+                            <p:childTnLst>
+                              <p:par>
+                                <p:cTn id="10" presetID="10" presetClass="entr" presetSubtype="0" fill="hold" nodeType="clickEffect">
+                                  <p:stCondLst>
+                                    <p:cond delay="0"/>
+                                  </p:stCondLst>
+                                  <p:childTnLst>
+                                    <p:set>
+                                      <p:cBhvr>
+                                        <p:cTn id="11" dur="1" fill="hold">
+                                          <p:stCondLst>
+                                            <p:cond delay="0"/>
+                                          </p:stCondLst>
+                                        </p:cTn>
+                                        <p:tgtEl>
+                                          <p:spTgt spid="3">
+                                            <p:txEl>
+                                              <p:pRg st="2" end="2"/>
+                                            </p:txEl>
+                                          </p:spTgt>
+                                        </p:tgtEl>
+                                        <p:attrNameLst>
+                                          <p:attrName>style.visibility</p:attrName>
+                                        </p:attrNameLst>
+                                      </p:cBhvr>
+                                      <p:to>
+                                        <p:strVal val="visible"/>
+                                      </p:to>
+                                    </p:set>
+                                    <p:animEffect transition="in" filter="fade">
+                                      <p:cBhvr>
+                                        <p:cTn id="12" dur="500"/>
+                                        <p:tgtEl>
+                                          <p:spTgt spid="3">
+                                            <p:txEl>
+                                              <p:pRg st="2" end="2"/>
+                                            </p:txEl>
+                                          </p:spTgt>
+                                        </p:tgtEl>
+                                      </p:cBhvr>
+                                    </p:animEffect>
+                                  </p:childTnLst>
+                                </p:cTn>
+                              </p:par>
+                            </p:childTnLst>
+                          </p:cTn>
+                        </p:par>
+                      </p:childTnLst>
+                    </p:cTn>
+                  </p:par>
+                  <p:par>
+                    <p:cTn id="13" fill="hold">
+                      <p:stCondLst>
+                        <p:cond delay="indefinite"/>
+                      </p:stCondLst>
+                      <p:childTnLst>
+                        <p:par>
+                          <p:cTn id="14" fill="hold">
+                            <p:stCondLst>
+                              <p:cond delay="0"/>
+                            </p:stCondLst>
+                            <p:childTnLst>
+                              <p:par>
+                                <p:cTn id="15" presetID="10" presetClass="entr" presetSubtype="0" fill="hold" nodeType="clickEffect">
+                                  <p:stCondLst>
+                                    <p:cond delay="0"/>
+                                  </p:stCondLst>
+                                  <p:childTnLst>
+                                    <p:set>
+                                      <p:cBhvr>
+                                        <p:cTn id="16" dur="1" fill="hold">
+                                          <p:stCondLst>
+                                            <p:cond delay="0"/>
+                                          </p:stCondLst>
+                                        </p:cTn>
+                                        <p:tgtEl>
+                                          <p:spTgt spid="3">
+                                            <p:txEl>
+                                              <p:pRg st="4" end="4"/>
+                                            </p:txEl>
+                                          </p:spTgt>
+                                        </p:tgtEl>
+                                        <p:attrNameLst>
+                                          <p:attrName>style.visibility</p:attrName>
+                                        </p:attrNameLst>
+                                      </p:cBhvr>
+                                      <p:to>
+                                        <p:strVal val="visible"/>
+                                      </p:to>
+                                    </p:set>
+                                    <p:animEffect transition="in" filter="fade">
+                                      <p:cBhvr>
+                                        <p:cTn id="17" dur="500"/>
+                                        <p:tgtEl>
+                                          <p:spTgt spid="3">
+                                            <p:txEl>
+                                              <p:pRg st="4" end="4"/>
+                                            </p:txEl>
+                                          </p:spTgt>
+                                        </p:tgtEl>
+                                      </p:cBhvr>
+                                    </p:animEffect>
+                                  </p:childTnLst>
+                                </p:cTn>
+                              </p:par>
+                            </p:childTnLst>
+                          </p:cTn>
+                        </p:par>
+                      </p:childTnLst>
+                    </p:cTn>
+                  </p:par>
+                  <p:par>
+                    <p:cTn id="18" fill="hold">
+                      <p:stCondLst>
+                        <p:cond delay="indefinite"/>
+                      </p:stCondLst>
+                      <p:childTnLst>
+                        <p:par>
+                          <p:cTn id="19" fill="hold">
+                            <p:stCondLst>
+                              <p:cond delay="0"/>
+                            </p:stCondLst>
+                            <p:childTnLst>
+                              <p:par>
+                                <p:cTn id="20" presetID="10" presetClass="exit" presetSubtype="0" fill="hold" grpId="0" nodeType="clickEffect">
+                                  <p:stCondLst>
+                                    <p:cond delay="0"/>
+                                  </p:stCondLst>
+                                  <p:childTnLst>
+                                    <p:animEffect transition="out" filter="fade">
+                                      <p:cBhvr>
+                                        <p:cTn id="21" dur="500"/>
+                                        <p:tgtEl>
+                                          <p:spTgt spid="2"/>
+                                        </p:tgtEl>
+                                      </p:cBhvr>
+                                    </p:animEffect>
+                                    <p:set>
+                                      <p:cBhvr>
+                                        <p:cTn id="22" dur="1" fill="hold">
+                                          <p:stCondLst>
+                                            <p:cond delay="499"/>
+                                          </p:stCondLst>
+                                        </p:cTn>
+                                        <p:tgtEl>
+                                          <p:spTgt spid="2"/>
+                                        </p:tgtEl>
+                                        <p:attrNameLst>
+                                          <p:attrName>style.visibility</p:attrName>
+                                        </p:attrNameLst>
+                                      </p:cBhvr>
+                                      <p:to>
+                                        <p:strVal val="hidden"/>
+                                      </p:to>
+                                    </p:set>
+                                  </p:childTnLst>
+                                </p:cTn>
+                              </p:par>
+                            </p:childTnLst>
+                          </p:cTn>
+                        </p:par>
+                      </p:childTnLst>
+                    </p:cTn>
+                  </p:par>
+                  <p:par>
+                    <p:cTn id="23" fill="hold">
+                      <p:stCondLst>
+                        <p:cond delay="indefinite"/>
+                      </p:stCondLst>
+                      <p:childTnLst>
+                        <p:par>
+                          <p:cTn id="24" fill="hold">
+                            <p:stCondLst>
+                              <p:cond delay="0"/>
+                            </p:stCondLst>
+                            <p:childTnLst>
+                              <p:par>
+                                <p:cTn id="25" presetID="10" presetClass="exit" presetSubtype="0" fill="hold" grpId="0" nodeType="clickEffect">
+                                  <p:stCondLst>
+                                    <p:cond delay="0"/>
+                                  </p:stCondLst>
+                                  <p:childTnLst>
+                                    <p:animEffect transition="out" filter="fade">
+                                      <p:cBhvr>
+                                        <p:cTn id="26" dur="500"/>
+                                        <p:tgtEl>
+                                          <p:spTgt spid="5"/>
+                                        </p:tgtEl>
+                                      </p:cBhvr>
+                                    </p:animEffect>
+                                    <p:set>
+                                      <p:cBhvr>
+                                        <p:cTn id="27" dur="1" fill="hold">
+                                          <p:stCondLst>
+                                            <p:cond delay="499"/>
+                                          </p:stCondLst>
+                                        </p:cTn>
+                                        <p:tgtEl>
+                                          <p:spTgt spid="5"/>
+                                        </p:tgtEl>
+                                        <p:attrNameLst>
+                                          <p:attrName>style.visibility</p:attrName>
+                                        </p:attrNameLst>
+                                      </p:cBhvr>
+                                      <p:to>
+                                        <p:strVal val="hidden"/>
+                                      </p:to>
+                                    </p:set>
+                                  </p:childTnLst>
+                                </p:cTn>
+                              </p:par>
+                            </p:childTnLst>
+                          </p:cTn>
+                        </p:par>
+                      </p:childTnLst>
+                    </p:cTn>
+                  </p:par>
+                  <p:par>
+                    <p:cTn id="28" fill="hold">
+                      <p:stCondLst>
+                        <p:cond delay="indefinite"/>
+                      </p:stCondLst>
+                      <p:childTnLst>
+                        <p:par>
+                          <p:cTn id="29" fill="hold">
+                            <p:stCondLst>
+                              <p:cond delay="0"/>
+                            </p:stCondLst>
+                            <p:childTnLst>
+                              <p:par>
+                                <p:cTn id="30" presetID="16" presetClass="entr" presetSubtype="21" fill="hold" nodeType="clickEffect">
+                                  <p:stCondLst>
+                                    <p:cond delay="0"/>
+                                  </p:stCondLst>
+                                  <p:childTnLst>
+                                    <p:set>
+                                      <p:cBhvr>
+                                        <p:cTn id="31" dur="1" fill="hold">
+                                          <p:stCondLst>
+                                            <p:cond delay="0"/>
+                                          </p:stCondLst>
+                                        </p:cTn>
+                                        <p:tgtEl>
+                                          <p:spTgt spid="5">
+                                            <p:txEl>
+                                              <p:pRg st="0" end="0"/>
+                                            </p:txEl>
+                                          </p:spTgt>
+                                        </p:tgtEl>
+                                        <p:attrNameLst>
+                                          <p:attrName>style.visibility</p:attrName>
+                                        </p:attrNameLst>
+                                      </p:cBhvr>
+                                      <p:to>
+                                        <p:strVal val="visible"/>
+                                      </p:to>
+                                    </p:set>
+                                    <p:animEffect transition="in" filter="barn(inVertical)">
+                                      <p:cBhvr>
+                                        <p:cTn id="32" dur="500"/>
+                                        <p:tgtEl>
+                                          <p:spTgt spid="5">
+                                            <p:txEl>
+                                              <p:pRg st="0" end="0"/>
+                                            </p:txEl>
+                                          </p:spTgt>
+                                        </p:tgtEl>
+                                      </p:cBhvr>
+                                    </p:animEffect>
+                                  </p:childTnLst>
+                                </p:cTn>
+                              </p:par>
+                            </p:childTnLst>
+                          </p:cTn>
+                        </p:par>
+                      </p:childTnLst>
+                    </p:cTn>
+                  </p:par>
+                  <p:par>
+                    <p:cTn id="33" fill="hold">
+                      <p:stCondLst>
+                        <p:cond delay="indefinite"/>
+                      </p:stCondLst>
+                      <p:childTnLst>
+                        <p:par>
+                          <p:cTn id="34" fill="hold">
+                            <p:stCondLst>
+                              <p:cond delay="0"/>
+                            </p:stCondLst>
+                            <p:childTnLst>
+                              <p:par>
+                                <p:cTn id="35" presetID="10" presetClass="entr" presetSubtype="0" fill="hold" nodeType="clickEffect">
+                                  <p:stCondLst>
+                                    <p:cond delay="0"/>
+                                  </p:stCondLst>
+                                  <p:childTnLst>
+                                    <p:set>
+                                      <p:cBhvr>
+                                        <p:cTn id="36" dur="1" fill="hold">
+                                          <p:stCondLst>
+                                            <p:cond delay="0"/>
+                                          </p:stCondLst>
+                                        </p:cTn>
+                                        <p:tgtEl>
+                                          <p:spTgt spid="3">
                                             <p:txEl>
                                               <p:pRg st="1" end="1"/>
                                             </p:txEl>
@@ -4611,6 +5708,18 @@
                                         <p:strVal val="visible"/>
                                       </p:to>
                                     </p:set>
+                                    <p:animEffect transition="in" filter="fade">
+                                      <p:cBhvr>
+                                        <p:cTn id="37" dur="500"/>
+                                        <p:tgtEl>
+                                          <p:spTgt spid="3">
+                                            <p:txEl>
+                                              <p:pRg st="1" end="1"/>
+                                            </p:txEl>
+                                          </p:spTgt>
+                                        </p:tgtEl>
+                                      </p:cBhvr>
+                                    </p:animEffect>
                                   </p:childTnLst>
                                 </p:cTn>
                               </p:par>
@@ -4621,32 +5730,32 @@
                     </p:cTn>
                   </p:par>
                   <p:par>
-                    <p:cTn id="7" fill="hold">
+                    <p:cTn id="38" fill="hold">
                       <p:stCondLst>
                         <p:cond delay="indefinite"/>
                       </p:stCondLst>
                       <p:childTnLst>
                         <p:par>
-                          <p:cTn id="8" fill="hold">
+                          <p:cTn id="39" fill="hold">
                             <p:stCondLst>
                               <p:cond delay="0"/>
                             </p:stCondLst>
                             <p:childTnLst>
                               <p:par>
-                                <p:cTn id="9" presetID="1" presetClass="entr" presetSubtype="0" fill="hold" nodeType="clickEffect">
+                                <p:cTn id="40" presetID="10" presetClass="entr" presetSubtype="0" fill="hold" nodeType="clickEffect">
                                   <p:stCondLst>
                                     <p:cond delay="0"/>
                                   </p:stCondLst>
                                   <p:childTnLst>
                                     <p:set>
                                       <p:cBhvr>
-                                        <p:cTn id="10" dur="1" fill="hold">
+                                        <p:cTn id="41" dur="1" fill="hold">
                                           <p:stCondLst>
                                             <p:cond delay="0"/>
                                           </p:stCondLst>
                                         </p:cTn>
                                         <p:tgtEl>
-                                          <p:spTgt spid="4">
+                                          <p:spTgt spid="3">
                                             <p:txEl>
                                               <p:pRg st="3" end="3"/>
                                             </p:txEl>
@@ -4660,6 +5769,18 @@
                                         <p:strVal val="visible"/>
                                       </p:to>
                                     </p:set>
+                                    <p:animEffect transition="in" filter="fade">
+                                      <p:cBhvr>
+                                        <p:cTn id="42" dur="500"/>
+                                        <p:tgtEl>
+                                          <p:spTgt spid="3">
+                                            <p:txEl>
+                                              <p:pRg st="3" end="3"/>
+                                            </p:txEl>
+                                          </p:spTgt>
+                                        </p:tgtEl>
+                                      </p:cBhvr>
+                                    </p:animEffect>
                                   </p:childTnLst>
                                 </p:cTn>
                               </p:par>
@@ -4670,32 +5791,32 @@
                     </p:cTn>
                   </p:par>
                   <p:par>
-                    <p:cTn id="11" fill="hold">
+                    <p:cTn id="43" fill="hold">
                       <p:stCondLst>
                         <p:cond delay="indefinite"/>
                       </p:stCondLst>
                       <p:childTnLst>
                         <p:par>
-                          <p:cTn id="12" fill="hold">
+                          <p:cTn id="44" fill="hold">
                             <p:stCondLst>
                               <p:cond delay="0"/>
                             </p:stCondLst>
                             <p:childTnLst>
                               <p:par>
-                                <p:cTn id="13" presetID="1" presetClass="entr" presetSubtype="0" fill="hold" nodeType="clickEffect">
+                                <p:cTn id="45" presetID="10" presetClass="entr" presetSubtype="0" fill="hold" nodeType="clickEffect">
                                   <p:stCondLst>
                                     <p:cond delay="0"/>
                                   </p:stCondLst>
                                   <p:childTnLst>
                                     <p:set>
                                       <p:cBhvr>
-                                        <p:cTn id="14" dur="1" fill="hold">
+                                        <p:cTn id="46" dur="1" fill="hold">
                                           <p:stCondLst>
                                             <p:cond delay="0"/>
                                           </p:stCondLst>
                                         </p:cTn>
                                         <p:tgtEl>
-                                          <p:spTgt spid="4">
+                                          <p:spTgt spid="3">
                                             <p:txEl>
                                               <p:pRg st="5" end="5"/>
                                             </p:txEl>
@@ -4709,6 +5830,18 @@
                                         <p:strVal val="visible"/>
                                       </p:to>
                                     </p:set>
+                                    <p:animEffect transition="in" filter="fade">
+                                      <p:cBhvr>
+                                        <p:cTn id="47" dur="500"/>
+                                        <p:tgtEl>
+                                          <p:spTgt spid="3">
+                                            <p:txEl>
+                                              <p:pRg st="5" end="5"/>
+                                            </p:txEl>
+                                          </p:spTgt>
+                                        </p:tgtEl>
+                                      </p:cBhvr>
+                                    </p:animEffect>
                                   </p:childTnLst>
                                 </p:cTn>
                               </p:par>
@@ -4739,11 +5872,15 @@
         </p:cTn>
       </p:par>
     </p:tnLst>
+    <p:bldLst>
+      <p:bldP spid="2" grpId="0"/>
+      <p:bldP spid="5" grpId="0"/>
+    </p:bldLst>
   </p:timing>
 </p:sld>
 </file>
 
-<file path=ppt/slides/slide12.xml><?xml version="1.0" encoding="utf-8"?>
+<file path=ppt/slides/slide18.xml><?xml version="1.0" encoding="utf-8"?>
 <p:sld xmlns:a="http://schemas.openxmlformats.org/drawingml/2006/main" xmlns:r="http://schemas.openxmlformats.org/officeDocument/2006/relationships" xmlns:p="http://schemas.openxmlformats.org/presentationml/2006/main">
   <p:cSld>
     <p:spTree>
@@ -4831,6 +5968,10 @@
             <a:endParaRPr lang="en-US" altLang="zh-TW" dirty="0"/>
           </a:p>
           <a:p>
+            <a:r>
+              <a:rPr lang="en-US" altLang="zh-TW" dirty="0"/>
+              <a:t>Template : FPPT.com</a:t>
+            </a:r>
             <a:endParaRPr lang="zh-TW" altLang="en-US" dirty="0"/>
           </a:p>
         </p:txBody>
@@ -4851,7 +5992,7 @@
 </p:sld>
 </file>
 
-<file path=ppt/slides/slide13.xml><?xml version="1.0" encoding="utf-8"?>
+<file path=ppt/slides/slide19.xml><?xml version="1.0" encoding="utf-8"?>
 <p:sld xmlns:a="http://schemas.openxmlformats.org/drawingml/2006/main" xmlns:r="http://schemas.openxmlformats.org/officeDocument/2006/relationships" xmlns:p="http://schemas.openxmlformats.org/presentationml/2006/main">
   <p:cSld>
     <p:spTree>
@@ -5005,14 +6146,11 @@
           <a:p>
             <a:r>
               <a:rPr lang="en-US" dirty="0"/>
-              <a:t>Question</a:t>
-            </a:r>
-          </a:p>
-          <a:p>
-            <a:r>
-              <a:rPr lang="en-US" dirty="0"/>
-              <a:t>Answer</a:t>
-            </a:r>
+              <a:t>Question &amp; Answers</a:t>
+            </a:r>
+          </a:p>
+          <a:p>
+            <a:endParaRPr lang="en-US" dirty="0"/>
           </a:p>
           <a:p>
             <a:endParaRPr lang="en-US" dirty="0"/>
@@ -5080,7 +6218,11 @@
           <a:p>
             <a:pPr algn="ctr"/>
             <a:r>
-              <a:rPr lang="en-US" dirty="0"/>
+              <a:rPr lang="en-US" dirty="0">
+                <a:solidFill>
+                  <a:srgbClr val="00AACC"/>
+                </a:solidFill>
+              </a:rPr>
               <a:t>Introduction</a:t>
             </a:r>
           </a:p>
@@ -5098,7 +6240,7 @@
         </p:nvSpPr>
         <p:spPr>
           <a:xfrm>
-            <a:off x="449575" y="1655521"/>
+            <a:off x="448965" y="1936696"/>
             <a:ext cx="8246070" cy="3206804"/>
           </a:xfrm>
         </p:spPr>
@@ -5106,6 +6248,9 @@
           <a:bodyPr/>
           <a:lstStyle/>
           <a:p>
+            <a:pPr marL="0" indent="0">
+              <a:buNone/>
+            </a:pPr>
             <a:endParaRPr lang="en-US" dirty="0"/>
           </a:p>
           <a:p>
@@ -5189,7 +6334,11 @@
           <a:p>
             <a:pPr algn="ctr"/>
             <a:r>
-              <a:rPr lang="en-US" dirty="0"/>
+              <a:rPr lang="en-US" dirty="0">
+                <a:solidFill>
+                  <a:srgbClr val="00AACC"/>
+                </a:solidFill>
+              </a:rPr>
               <a:t>Features</a:t>
             </a:r>
           </a:p>
